--- a/Levantamiento Taller UAPA.pptx
+++ b/Levantamiento Taller UAPA.pptx
@@ -6,7 +6,10 @@
   </p:sldMasterIdLst>
   <p:sldIdLst>
     <p:sldId id="256" r:id="rId2"/>
-    <p:sldId id="257" r:id="rId3"/>
+    <p:sldId id="258" r:id="rId3"/>
+    <p:sldId id="259" r:id="rId4"/>
+    <p:sldId id="260" r:id="rId5"/>
+    <p:sldId id="261" r:id="rId6"/>
   </p:sldIdLst>
   <p:sldSz cx="12192000" cy="6858000"/>
   <p:notesSz cx="6858000" cy="9144000"/>
@@ -105,6 +108,11 @@
       </a:defRPr>
     </a:lvl9pPr>
   </p:defaultTextStyle>
+  <p:extLst>
+    <p:ext uri="{EFAFB233-063F-42B5-8137-9DF3F51BA10A}">
+      <p15:sldGuideLst xmlns:p15="http://schemas.microsoft.com/office/powerpoint/2012/main"/>
+    </p:ext>
+  </p:extLst>
 </p:presentation>
 </file>
 
@@ -255,7 +263,7 @@
           <a:p>
             <a:fld id="{00DCE7FF-A13B-4E31-8A7E-3211D2564F78}" type="datetimeFigureOut">
               <a:rPr lang="en-US" smtClean="0"/>
-              <a:t>09-Mar-22</a:t>
+              <a:t>10-Mar-22</a:t>
             </a:fld>
             <a:endParaRPr lang="en-US"/>
           </a:p>
@@ -453,7 +461,7 @@
           <a:p>
             <a:fld id="{00DCE7FF-A13B-4E31-8A7E-3211D2564F78}" type="datetimeFigureOut">
               <a:rPr lang="en-US" smtClean="0"/>
-              <a:t>09-Mar-22</a:t>
+              <a:t>10-Mar-22</a:t>
             </a:fld>
             <a:endParaRPr lang="en-US"/>
           </a:p>
@@ -661,7 +669,7 @@
           <a:p>
             <a:fld id="{00DCE7FF-A13B-4E31-8A7E-3211D2564F78}" type="datetimeFigureOut">
               <a:rPr lang="en-US" smtClean="0"/>
-              <a:t>09-Mar-22</a:t>
+              <a:t>10-Mar-22</a:t>
             </a:fld>
             <a:endParaRPr lang="en-US"/>
           </a:p>
@@ -859,7 +867,7 @@
           <a:p>
             <a:fld id="{00DCE7FF-A13B-4E31-8A7E-3211D2564F78}" type="datetimeFigureOut">
               <a:rPr lang="en-US" smtClean="0"/>
-              <a:t>09-Mar-22</a:t>
+              <a:t>10-Mar-22</a:t>
             </a:fld>
             <a:endParaRPr lang="en-US"/>
           </a:p>
@@ -1134,7 +1142,7 @@
           <a:p>
             <a:fld id="{00DCE7FF-A13B-4E31-8A7E-3211D2564F78}" type="datetimeFigureOut">
               <a:rPr lang="en-US" smtClean="0"/>
-              <a:t>09-Mar-22</a:t>
+              <a:t>10-Mar-22</a:t>
             </a:fld>
             <a:endParaRPr lang="en-US"/>
           </a:p>
@@ -1399,7 +1407,7 @@
           <a:p>
             <a:fld id="{00DCE7FF-A13B-4E31-8A7E-3211D2564F78}" type="datetimeFigureOut">
               <a:rPr lang="en-US" smtClean="0"/>
-              <a:t>09-Mar-22</a:t>
+              <a:t>10-Mar-22</a:t>
             </a:fld>
             <a:endParaRPr lang="en-US"/>
           </a:p>
@@ -1811,7 +1819,7 @@
           <a:p>
             <a:fld id="{00DCE7FF-A13B-4E31-8A7E-3211D2564F78}" type="datetimeFigureOut">
               <a:rPr lang="en-US" smtClean="0"/>
-              <a:t>09-Mar-22</a:t>
+              <a:t>10-Mar-22</a:t>
             </a:fld>
             <a:endParaRPr lang="en-US"/>
           </a:p>
@@ -1952,7 +1960,7 @@
           <a:p>
             <a:fld id="{00DCE7FF-A13B-4E31-8A7E-3211D2564F78}" type="datetimeFigureOut">
               <a:rPr lang="en-US" smtClean="0"/>
-              <a:t>09-Mar-22</a:t>
+              <a:t>10-Mar-22</a:t>
             </a:fld>
             <a:endParaRPr lang="en-US"/>
           </a:p>
@@ -2065,7 +2073,7 @@
           <a:p>
             <a:fld id="{00DCE7FF-A13B-4E31-8A7E-3211D2564F78}" type="datetimeFigureOut">
               <a:rPr lang="en-US" smtClean="0"/>
-              <a:t>09-Mar-22</a:t>
+              <a:t>10-Mar-22</a:t>
             </a:fld>
             <a:endParaRPr lang="en-US"/>
           </a:p>
@@ -2376,7 +2384,7 @@
           <a:p>
             <a:fld id="{00DCE7FF-A13B-4E31-8A7E-3211D2564F78}" type="datetimeFigureOut">
               <a:rPr lang="en-US" smtClean="0"/>
-              <a:t>09-Mar-22</a:t>
+              <a:t>10-Mar-22</a:t>
             </a:fld>
             <a:endParaRPr lang="en-US"/>
           </a:p>
@@ -2664,7 +2672,7 @@
           <a:p>
             <a:fld id="{00DCE7FF-A13B-4E31-8A7E-3211D2564F78}" type="datetimeFigureOut">
               <a:rPr lang="en-US" smtClean="0"/>
-              <a:t>09-Mar-22</a:t>
+              <a:t>10-Mar-22</a:t>
             </a:fld>
             <a:endParaRPr lang="en-US"/>
           </a:p>
@@ -2905,7 +2913,7 @@
           <a:p>
             <a:fld id="{00DCE7FF-A13B-4E31-8A7E-3211D2564F78}" type="datetimeFigureOut">
               <a:rPr lang="en-US" smtClean="0"/>
-              <a:t>09-Mar-22</a:t>
+              <a:t>10-Mar-22</a:t>
             </a:fld>
             <a:endParaRPr lang="en-US"/>
           </a:p>
@@ -3627,7 +3635,7 @@
           <p:nvPr>
             <p:extLst>
               <p:ext uri="{D42A27DB-BD31-4B8C-83A1-F6EECF244321}">
-                <p14:modId xmlns:p14="http://schemas.microsoft.com/office/powerpoint/2010/main" val="2365089966"/>
+                <p14:modId xmlns:p14="http://schemas.microsoft.com/office/powerpoint/2010/main" val="1005739522"/>
               </p:ext>
             </p:extLst>
           </p:nvPr>
@@ -3640,7 +3648,7 @@
           <a:graphicData uri="http://schemas.openxmlformats.org/presentationml/2006/ole">
             <mc:AlternateContent xmlns:mc="http://schemas.openxmlformats.org/markup-compatibility/2006">
               <mc:Choice xmlns:v="urn:schemas-microsoft-com:vml" Requires="v">
-                <p:oleObj spid="_x0000_s1026" name="Worksheet" showAsIcon="1" r:id="rId4" imgW="914400" imgH="771480" progId="Excel.Sheet.12">
+                <p:oleObj spid="_x0000_s1028" name="Worksheet" showAsIcon="1" r:id="rId4" imgW="914400" imgH="771480" progId="Excel.Sheet.12">
                   <p:embed/>
                 </p:oleObj>
               </mc:Choice>
@@ -3707,109 +3715,3213 @@
       </p:grpSpPr>
       <p:sp>
         <p:nvSpPr>
-          <p:cNvPr id="2" name="Title 1">
-            <a:extLst>
-              <a:ext uri="{FF2B5EF4-FFF2-40B4-BE49-F238E27FC236}">
-                <a16:creationId xmlns:a16="http://schemas.microsoft.com/office/drawing/2014/main" id="{DED31370-DF48-4135-A55E-54E31893EA58}"/>
-              </a:ext>
-            </a:extLst>
-          </p:cNvPr>
-          <p:cNvSpPr>
-            <a:spLocks noGrp="1"/>
-          </p:cNvSpPr>
-          <p:nvPr>
-            <p:ph type="title"/>
-          </p:nvPr>
-        </p:nvSpPr>
-        <p:spPr/>
-        <p:txBody>
-          <a:bodyPr/>
+          <p:cNvPr id="4" name="TextBox 3">
+            <a:extLst>
+              <a:ext uri="{FF2B5EF4-FFF2-40B4-BE49-F238E27FC236}">
+                <a16:creationId xmlns:a16="http://schemas.microsoft.com/office/drawing/2014/main" id="{69E91527-47B4-48C2-AEBF-6E2A09FD001A}"/>
+              </a:ext>
+            </a:extLst>
+          </p:cNvPr>
+          <p:cNvSpPr txBox="1"/>
+          <p:nvPr/>
+        </p:nvSpPr>
+        <p:spPr>
+          <a:xfrm>
+            <a:off x="4932608" y="476518"/>
+            <a:ext cx="1777285" cy="369332"/>
+          </a:xfrm>
+          <a:prstGeom prst="rect">
+            <a:avLst/>
+          </a:prstGeom>
+          <a:noFill/>
+        </p:spPr>
+        <p:txBody>
+          <a:bodyPr wrap="square" rtlCol="0">
+            <a:spAutoFit/>
+          </a:bodyPr>
+          <a:lstStyle/>
+          <a:p>
+            <a:r>
+              <a:rPr lang="en-US" dirty="0"/>
+              <a:t>Talleruapa.com</a:t>
+            </a:r>
+          </a:p>
+        </p:txBody>
+      </p:sp>
+      <p:sp>
+        <p:nvSpPr>
+          <p:cNvPr id="5" name="TextBox 4">
+            <a:extLst>
+              <a:ext uri="{FF2B5EF4-FFF2-40B4-BE49-F238E27FC236}">
+                <a16:creationId xmlns:a16="http://schemas.microsoft.com/office/drawing/2014/main" id="{CA1F7CC2-ADB1-4E81-B214-8743326D6D91}"/>
+              </a:ext>
+            </a:extLst>
+          </p:cNvPr>
+          <p:cNvSpPr txBox="1"/>
+          <p:nvPr/>
+        </p:nvSpPr>
+        <p:spPr>
+          <a:xfrm>
+            <a:off x="1478924" y="1530439"/>
+            <a:ext cx="4509752" cy="369332"/>
+          </a:xfrm>
+          <a:prstGeom prst="rect">
+            <a:avLst/>
+          </a:prstGeom>
+          <a:noFill/>
+        </p:spPr>
+        <p:txBody>
+          <a:bodyPr wrap="square" rtlCol="0">
+            <a:spAutoFit/>
+          </a:bodyPr>
           <a:lstStyle/>
           <a:p>
             <a:r>
               <a:rPr lang="en-US" dirty="0" err="1"/>
-              <a:t>Esquema</a:t>
+              <a:t>Consulte</a:t>
             </a:r>
             <a:r>
               <a:rPr lang="en-US" dirty="0"/>
-              <a:t> BD</a:t>
-            </a:r>
+              <a:t> </a:t>
+            </a:r>
+            <a:r>
+              <a:rPr lang="en-US" dirty="0" err="1"/>
+              <a:t>el</a:t>
+            </a:r>
+            <a:r>
+              <a:rPr lang="en-US" dirty="0"/>
+              <a:t> </a:t>
+            </a:r>
+            <a:r>
+              <a:rPr lang="en-US" dirty="0" err="1"/>
+              <a:t>estado</a:t>
+            </a:r>
+            <a:r>
+              <a:rPr lang="en-US" dirty="0"/>
+              <a:t> de </a:t>
+            </a:r>
+            <a:r>
+              <a:rPr lang="en-US" dirty="0" err="1"/>
+              <a:t>su</a:t>
+            </a:r>
+            <a:r>
+              <a:rPr lang="en-US" dirty="0"/>
+              <a:t> </a:t>
+            </a:r>
+            <a:r>
+              <a:rPr lang="en-US" dirty="0" err="1"/>
+              <a:t>vehiculo</a:t>
+            </a:r>
+            <a:endParaRPr lang="en-US" dirty="0"/>
+          </a:p>
+        </p:txBody>
+      </p:sp>
+      <p:sp>
+        <p:nvSpPr>
+          <p:cNvPr id="6" name="Rectangle 5">
+            <a:extLst>
+              <a:ext uri="{FF2B5EF4-FFF2-40B4-BE49-F238E27FC236}">
+                <a16:creationId xmlns:a16="http://schemas.microsoft.com/office/drawing/2014/main" id="{BFB0470C-0B0B-4CCE-A073-585611822BC8}"/>
+              </a:ext>
+            </a:extLst>
+          </p:cNvPr>
+          <p:cNvSpPr/>
+          <p:nvPr/>
+        </p:nvSpPr>
+        <p:spPr>
+          <a:xfrm>
+            <a:off x="1571223" y="1899771"/>
+            <a:ext cx="3451538" cy="369332"/>
+          </a:xfrm>
+          <a:prstGeom prst="rect">
+            <a:avLst/>
+          </a:prstGeom>
+        </p:spPr>
+        <p:style>
+          <a:lnRef idx="2">
+            <a:schemeClr val="accent1">
+              <a:shade val="50000"/>
+            </a:schemeClr>
+          </a:lnRef>
+          <a:fillRef idx="1">
+            <a:schemeClr val="accent1"/>
+          </a:fillRef>
+          <a:effectRef idx="0">
+            <a:schemeClr val="accent1"/>
+          </a:effectRef>
+          <a:fontRef idx="minor">
+            <a:schemeClr val="lt1"/>
+          </a:fontRef>
+        </p:style>
+        <p:txBody>
+          <a:bodyPr rtlCol="0" anchor="ctr"/>
+          <a:lstStyle/>
+          <a:p>
+            <a:pPr algn="ctr"/>
+            <a:r>
+              <a:rPr lang="en-US" dirty="0" err="1"/>
+              <a:t>Numero</a:t>
+            </a:r>
+            <a:r>
+              <a:rPr lang="en-US" dirty="0"/>
+              <a:t> de </a:t>
+            </a:r>
+            <a:r>
+              <a:rPr lang="en-US" dirty="0" err="1"/>
+              <a:t>orden</a:t>
+            </a:r>
+            <a:endParaRPr lang="en-US" dirty="0"/>
+          </a:p>
+        </p:txBody>
+      </p:sp>
+      <p:sp>
+        <p:nvSpPr>
+          <p:cNvPr id="7" name="TextBox 6">
+            <a:extLst>
+              <a:ext uri="{FF2B5EF4-FFF2-40B4-BE49-F238E27FC236}">
+                <a16:creationId xmlns:a16="http://schemas.microsoft.com/office/drawing/2014/main" id="{8598C823-B6D6-4796-9552-A409A4D6B766}"/>
+              </a:ext>
+            </a:extLst>
+          </p:cNvPr>
+          <p:cNvSpPr txBox="1"/>
+          <p:nvPr/>
+        </p:nvSpPr>
+        <p:spPr>
+          <a:xfrm>
+            <a:off x="1311498" y="2638435"/>
+            <a:ext cx="3002925" cy="369332"/>
+          </a:xfrm>
+          <a:prstGeom prst="rect">
+            <a:avLst/>
+          </a:prstGeom>
+          <a:noFill/>
+        </p:spPr>
+        <p:txBody>
+          <a:bodyPr wrap="square" rtlCol="0">
+            <a:spAutoFit/>
+          </a:bodyPr>
+          <a:lstStyle/>
+          <a:p>
+            <a:r>
+              <a:rPr lang="en-US" dirty="0"/>
+              <a:t>Estado: </a:t>
+            </a:r>
+            <a:r>
+              <a:rPr lang="en-US" dirty="0" err="1"/>
+              <a:t>Cotizacion</a:t>
+            </a:r>
+            <a:r>
+              <a:rPr lang="en-US" dirty="0"/>
+              <a:t> </a:t>
+            </a:r>
+            <a:r>
+              <a:rPr lang="en-US" dirty="0" err="1"/>
+              <a:t>Emitida</a:t>
+            </a:r>
+            <a:endParaRPr lang="en-US" dirty="0"/>
+          </a:p>
+        </p:txBody>
+      </p:sp>
+      <p:sp>
+        <p:nvSpPr>
+          <p:cNvPr id="8" name="TextBox 7">
+            <a:extLst>
+              <a:ext uri="{FF2B5EF4-FFF2-40B4-BE49-F238E27FC236}">
+                <a16:creationId xmlns:a16="http://schemas.microsoft.com/office/drawing/2014/main" id="{FBF6E891-EFFC-46EE-8033-85DE7D7831AC}"/>
+              </a:ext>
+            </a:extLst>
+          </p:cNvPr>
+          <p:cNvSpPr txBox="1"/>
+          <p:nvPr/>
+        </p:nvSpPr>
+        <p:spPr>
+          <a:xfrm>
+            <a:off x="1311498" y="3025489"/>
+            <a:ext cx="2655195" cy="369332"/>
+          </a:xfrm>
+          <a:prstGeom prst="rect">
+            <a:avLst/>
+          </a:prstGeom>
+          <a:noFill/>
+        </p:spPr>
+        <p:txBody>
+          <a:bodyPr wrap="square" rtlCol="0">
+            <a:spAutoFit/>
+          </a:bodyPr>
+          <a:lstStyle/>
+          <a:p>
+            <a:r>
+              <a:rPr lang="en-US" dirty="0"/>
+              <a:t>Monto: 8500</a:t>
+            </a:r>
+          </a:p>
+        </p:txBody>
+      </p:sp>
+      <p:sp>
+        <p:nvSpPr>
+          <p:cNvPr id="9" name="Rectangle: Rounded Corners 8">
+            <a:extLst>
+              <a:ext uri="{FF2B5EF4-FFF2-40B4-BE49-F238E27FC236}">
+                <a16:creationId xmlns:a16="http://schemas.microsoft.com/office/drawing/2014/main" id="{EFBC47D4-BAB3-4EEB-B377-933B73AA6F8E}"/>
+              </a:ext>
+            </a:extLst>
+          </p:cNvPr>
+          <p:cNvSpPr/>
+          <p:nvPr/>
+        </p:nvSpPr>
+        <p:spPr>
+          <a:xfrm>
+            <a:off x="4159877" y="3020287"/>
+            <a:ext cx="862884" cy="369332"/>
+          </a:xfrm>
+          <a:prstGeom prst="roundRect">
+            <a:avLst/>
+          </a:prstGeom>
+        </p:spPr>
+        <p:style>
+          <a:lnRef idx="3">
+            <a:schemeClr val="lt1"/>
+          </a:lnRef>
+          <a:fillRef idx="1">
+            <a:schemeClr val="accent6"/>
+          </a:fillRef>
+          <a:effectRef idx="1">
+            <a:schemeClr val="accent6"/>
+          </a:effectRef>
+          <a:fontRef idx="minor">
+            <a:schemeClr val="lt1"/>
+          </a:fontRef>
+        </p:style>
+        <p:txBody>
+          <a:bodyPr rtlCol="0" anchor="ctr"/>
+          <a:lstStyle/>
+          <a:p>
+            <a:pPr algn="ctr"/>
+            <a:r>
+              <a:rPr lang="en-US" dirty="0" err="1"/>
+              <a:t>Pagar</a:t>
+            </a:r>
+            <a:endParaRPr lang="en-US" dirty="0"/>
+          </a:p>
+        </p:txBody>
+      </p:sp>
+      <p:sp>
+        <p:nvSpPr>
+          <p:cNvPr id="10" name="TextBox 9">
+            <a:extLst>
+              <a:ext uri="{FF2B5EF4-FFF2-40B4-BE49-F238E27FC236}">
+                <a16:creationId xmlns:a16="http://schemas.microsoft.com/office/drawing/2014/main" id="{7FCE1F59-CB00-41D1-9A50-960298B8A5F4}"/>
+              </a:ext>
+            </a:extLst>
+          </p:cNvPr>
+          <p:cNvSpPr txBox="1"/>
+          <p:nvPr/>
+        </p:nvSpPr>
+        <p:spPr>
+          <a:xfrm>
+            <a:off x="861810" y="303657"/>
+            <a:ext cx="1777285" cy="369332"/>
+          </a:xfrm>
+          <a:prstGeom prst="rect">
+            <a:avLst/>
+          </a:prstGeom>
+          <a:noFill/>
+        </p:spPr>
+        <p:txBody>
+          <a:bodyPr wrap="square" rtlCol="0">
+            <a:spAutoFit/>
+          </a:bodyPr>
+          <a:lstStyle/>
+          <a:p>
+            <a:r>
+              <a:rPr lang="en-US" dirty="0" err="1"/>
+              <a:t>Pantalla</a:t>
+            </a:r>
+            <a:r>
+              <a:rPr lang="en-US" dirty="0"/>
+              <a:t> Principal</a:t>
+            </a:r>
+          </a:p>
+        </p:txBody>
+      </p:sp>
+      <p:sp>
+        <p:nvSpPr>
+          <p:cNvPr id="11" name="TextBox 10">
+            <a:extLst>
+              <a:ext uri="{FF2B5EF4-FFF2-40B4-BE49-F238E27FC236}">
+                <a16:creationId xmlns:a16="http://schemas.microsoft.com/office/drawing/2014/main" id="{CA561F09-89E4-4E31-A045-153420479EDE}"/>
+              </a:ext>
+            </a:extLst>
+          </p:cNvPr>
+          <p:cNvSpPr txBox="1"/>
+          <p:nvPr/>
+        </p:nvSpPr>
+        <p:spPr>
+          <a:xfrm>
+            <a:off x="9552905" y="494846"/>
+            <a:ext cx="1777285" cy="369332"/>
+          </a:xfrm>
+          <a:prstGeom prst="rect">
+            <a:avLst/>
+          </a:prstGeom>
+          <a:noFill/>
+        </p:spPr>
+        <p:txBody>
+          <a:bodyPr wrap="square" rtlCol="0">
+            <a:spAutoFit/>
+          </a:bodyPr>
+          <a:lstStyle/>
+          <a:p>
+            <a:r>
+              <a:rPr lang="en-US" b="1" dirty="0"/>
+              <a:t>Login</a:t>
+            </a:r>
+          </a:p>
+        </p:txBody>
+      </p:sp>
+    </p:spTree>
+    <p:extLst>
+      <p:ext uri="{BB962C8B-B14F-4D97-AF65-F5344CB8AC3E}">
+        <p14:creationId xmlns:p14="http://schemas.microsoft.com/office/powerpoint/2010/main" val="2664950933"/>
+      </p:ext>
+    </p:extLst>
+  </p:cSld>
+  <p:clrMapOvr>
+    <a:masterClrMapping/>
+  </p:clrMapOvr>
+</p:sld>
+</file>
+
+<file path=ppt/slides/slide3.xml><?xml version="1.0" encoding="utf-8"?>
+<p:sld xmlns:a="http://schemas.openxmlformats.org/drawingml/2006/main" xmlns:r="http://schemas.openxmlformats.org/officeDocument/2006/relationships" xmlns:p="http://schemas.openxmlformats.org/presentationml/2006/main">
+  <p:cSld>
+    <p:spTree>
+      <p:nvGrpSpPr>
+        <p:cNvPr id="1" name=""/>
+        <p:cNvGrpSpPr/>
+        <p:nvPr/>
+      </p:nvGrpSpPr>
+      <p:grpSpPr>
+        <a:xfrm>
+          <a:off x="0" y="0"/>
+          <a:ext cx="0" cy="0"/>
+          <a:chOff x="0" y="0"/>
+          <a:chExt cx="0" cy="0"/>
+        </a:xfrm>
+      </p:grpSpPr>
+      <p:sp>
+        <p:nvSpPr>
+          <p:cNvPr id="4" name="Rectangle: Rounded Corners 3">
+            <a:extLst>
+              <a:ext uri="{FF2B5EF4-FFF2-40B4-BE49-F238E27FC236}">
+                <a16:creationId xmlns:a16="http://schemas.microsoft.com/office/drawing/2014/main" id="{025F09F4-CEF0-44A4-B220-FE19067340B2}"/>
+              </a:ext>
+            </a:extLst>
+          </p:cNvPr>
+          <p:cNvSpPr/>
+          <p:nvPr/>
+        </p:nvSpPr>
+        <p:spPr>
+          <a:xfrm>
+            <a:off x="3863662" y="1996226"/>
+            <a:ext cx="3593206" cy="502276"/>
+          </a:xfrm>
+          <a:prstGeom prst="roundRect">
+            <a:avLst/>
+          </a:prstGeom>
+        </p:spPr>
+        <p:style>
+          <a:lnRef idx="2">
+            <a:schemeClr val="accent1">
+              <a:shade val="50000"/>
+            </a:schemeClr>
+          </a:lnRef>
+          <a:fillRef idx="1">
+            <a:schemeClr val="accent1"/>
+          </a:fillRef>
+          <a:effectRef idx="0">
+            <a:schemeClr val="accent1"/>
+          </a:effectRef>
+          <a:fontRef idx="minor">
+            <a:schemeClr val="lt1"/>
+          </a:fontRef>
+        </p:style>
+        <p:txBody>
+          <a:bodyPr rtlCol="0" anchor="ctr"/>
+          <a:lstStyle/>
+          <a:p>
+            <a:pPr algn="ctr"/>
+            <a:endParaRPr lang="en-US"/>
+          </a:p>
+        </p:txBody>
+      </p:sp>
+      <p:sp>
+        <p:nvSpPr>
+          <p:cNvPr id="5" name="TextBox 4">
+            <a:extLst>
+              <a:ext uri="{FF2B5EF4-FFF2-40B4-BE49-F238E27FC236}">
+                <a16:creationId xmlns:a16="http://schemas.microsoft.com/office/drawing/2014/main" id="{5B0EB49A-54F5-4B3E-B6E4-F3421329A10A}"/>
+              </a:ext>
+            </a:extLst>
+          </p:cNvPr>
+          <p:cNvSpPr txBox="1"/>
+          <p:nvPr/>
+        </p:nvSpPr>
+        <p:spPr>
+          <a:xfrm>
+            <a:off x="3863662" y="1626894"/>
+            <a:ext cx="1777285" cy="369332"/>
+          </a:xfrm>
+          <a:prstGeom prst="rect">
+            <a:avLst/>
+          </a:prstGeom>
+          <a:noFill/>
+        </p:spPr>
+        <p:txBody>
+          <a:bodyPr wrap="square" rtlCol="0">
+            <a:spAutoFit/>
+          </a:bodyPr>
+          <a:lstStyle/>
+          <a:p>
+            <a:r>
+              <a:rPr lang="en-US" dirty="0" err="1"/>
+              <a:t>Usuario</a:t>
+            </a:r>
+            <a:endParaRPr lang="en-US" dirty="0"/>
+          </a:p>
+        </p:txBody>
+      </p:sp>
+      <p:sp>
+        <p:nvSpPr>
+          <p:cNvPr id="6" name="Rectangle: Rounded Corners 5">
+            <a:extLst>
+              <a:ext uri="{FF2B5EF4-FFF2-40B4-BE49-F238E27FC236}">
+                <a16:creationId xmlns:a16="http://schemas.microsoft.com/office/drawing/2014/main" id="{1C228FCA-8E8C-41A2-9B8E-9C46853C42B1}"/>
+              </a:ext>
+            </a:extLst>
+          </p:cNvPr>
+          <p:cNvSpPr/>
+          <p:nvPr/>
+        </p:nvSpPr>
+        <p:spPr>
+          <a:xfrm>
+            <a:off x="3844344" y="3063026"/>
+            <a:ext cx="3593206" cy="502276"/>
+          </a:xfrm>
+          <a:prstGeom prst="roundRect">
+            <a:avLst/>
+          </a:prstGeom>
+        </p:spPr>
+        <p:style>
+          <a:lnRef idx="2">
+            <a:schemeClr val="accent1">
+              <a:shade val="50000"/>
+            </a:schemeClr>
+          </a:lnRef>
+          <a:fillRef idx="1">
+            <a:schemeClr val="accent1"/>
+          </a:fillRef>
+          <a:effectRef idx="0">
+            <a:schemeClr val="accent1"/>
+          </a:effectRef>
+          <a:fontRef idx="minor">
+            <a:schemeClr val="lt1"/>
+          </a:fontRef>
+        </p:style>
+        <p:txBody>
+          <a:bodyPr rtlCol="0" anchor="ctr"/>
+          <a:lstStyle/>
+          <a:p>
+            <a:pPr algn="ctr"/>
+            <a:endParaRPr lang="en-US"/>
+          </a:p>
+        </p:txBody>
+      </p:sp>
+      <p:sp>
+        <p:nvSpPr>
+          <p:cNvPr id="7" name="TextBox 6">
+            <a:extLst>
+              <a:ext uri="{FF2B5EF4-FFF2-40B4-BE49-F238E27FC236}">
+                <a16:creationId xmlns:a16="http://schemas.microsoft.com/office/drawing/2014/main" id="{8F526A0D-FEA4-4AD8-AE1F-67DA6821C552}"/>
+              </a:ext>
+            </a:extLst>
+          </p:cNvPr>
+          <p:cNvSpPr txBox="1"/>
+          <p:nvPr/>
+        </p:nvSpPr>
+        <p:spPr>
+          <a:xfrm>
+            <a:off x="3863663" y="2693694"/>
+            <a:ext cx="1738648" cy="369332"/>
+          </a:xfrm>
+          <a:prstGeom prst="rect">
+            <a:avLst/>
+          </a:prstGeom>
+          <a:noFill/>
+        </p:spPr>
+        <p:txBody>
+          <a:bodyPr wrap="square" rtlCol="0">
+            <a:spAutoFit/>
+          </a:bodyPr>
+          <a:lstStyle/>
+          <a:p>
+            <a:r>
+              <a:rPr lang="en-US" dirty="0" err="1"/>
+              <a:t>Contrase</a:t>
+            </a:r>
+            <a:r>
+              <a:rPr lang="es-419" dirty="0" err="1"/>
+              <a:t>ña</a:t>
+            </a:r>
+            <a:endParaRPr lang="en-US" dirty="0"/>
+          </a:p>
+        </p:txBody>
+      </p:sp>
+      <p:sp>
+        <p:nvSpPr>
+          <p:cNvPr id="8" name="Rectangle: Rounded Corners 7">
+            <a:extLst>
+              <a:ext uri="{FF2B5EF4-FFF2-40B4-BE49-F238E27FC236}">
+                <a16:creationId xmlns:a16="http://schemas.microsoft.com/office/drawing/2014/main" id="{908562EB-CA2E-4207-B0DB-0268018C4DBD}"/>
+              </a:ext>
+            </a:extLst>
+          </p:cNvPr>
+          <p:cNvSpPr/>
+          <p:nvPr/>
+        </p:nvSpPr>
+        <p:spPr>
+          <a:xfrm>
+            <a:off x="5608750" y="3878688"/>
+            <a:ext cx="1828800" cy="502276"/>
+          </a:xfrm>
+          <a:prstGeom prst="roundRect">
+            <a:avLst/>
+          </a:prstGeom>
+        </p:spPr>
+        <p:style>
+          <a:lnRef idx="2">
+            <a:schemeClr val="accent6">
+              <a:shade val="50000"/>
+            </a:schemeClr>
+          </a:lnRef>
+          <a:fillRef idx="1">
+            <a:schemeClr val="accent6"/>
+          </a:fillRef>
+          <a:effectRef idx="0">
+            <a:schemeClr val="accent6"/>
+          </a:effectRef>
+          <a:fontRef idx="minor">
+            <a:schemeClr val="lt1"/>
+          </a:fontRef>
+        </p:style>
+        <p:txBody>
+          <a:bodyPr rtlCol="0" anchor="ctr"/>
+          <a:lstStyle/>
+          <a:p>
+            <a:pPr algn="ctr"/>
+            <a:r>
+              <a:rPr lang="es-419" dirty="0"/>
+              <a:t>Iniciar Sesión</a:t>
+            </a:r>
+            <a:endParaRPr lang="en-US" dirty="0"/>
+          </a:p>
+        </p:txBody>
+      </p:sp>
+      <p:pic>
+        <p:nvPicPr>
+          <p:cNvPr id="10" name="Graphic 9" descr="Gears">
+            <a:extLst>
+              <a:ext uri="{FF2B5EF4-FFF2-40B4-BE49-F238E27FC236}">
+                <a16:creationId xmlns:a16="http://schemas.microsoft.com/office/drawing/2014/main" id="{25B16609-23E5-48D1-A5A9-2B453EF20203}"/>
+              </a:ext>
+            </a:extLst>
+          </p:cNvPr>
+          <p:cNvPicPr>
+            <a:picLocks noChangeAspect="1"/>
+          </p:cNvPicPr>
+          <p:nvPr/>
+        </p:nvPicPr>
+        <p:blipFill>
+          <a:blip r:embed="rId2">
+            <a:extLst>
+              <a:ext uri="{28A0092B-C50C-407E-A947-70E740481C1C}">
+                <a14:useLocalDpi xmlns:a14="http://schemas.microsoft.com/office/drawing/2010/main" val="0"/>
+              </a:ext>
+              <a:ext uri="{96DAC541-7B7A-43D3-8B79-37D633B846F1}">
+                <asvg:svgBlip xmlns:asvg="http://schemas.microsoft.com/office/drawing/2016/SVG/main" r:embed="rId3"/>
+              </a:ext>
+            </a:extLst>
+          </a:blip>
+          <a:stretch>
+            <a:fillRect/>
+          </a:stretch>
+        </p:blipFill>
+        <p:spPr>
+          <a:xfrm rot="2591781">
+            <a:off x="4720108" y="235559"/>
+            <a:ext cx="1777284" cy="1777284"/>
+          </a:xfrm>
+          <a:prstGeom prst="rect">
+            <a:avLst/>
+          </a:prstGeom>
+        </p:spPr>
+      </p:pic>
+      <p:sp>
+        <p:nvSpPr>
+          <p:cNvPr id="11" name="TextBox 10">
+            <a:extLst>
+              <a:ext uri="{FF2B5EF4-FFF2-40B4-BE49-F238E27FC236}">
+                <a16:creationId xmlns:a16="http://schemas.microsoft.com/office/drawing/2014/main" id="{7BCDF35B-787E-4802-AEAB-18140B431754}"/>
+              </a:ext>
+            </a:extLst>
+          </p:cNvPr>
+          <p:cNvSpPr txBox="1"/>
+          <p:nvPr/>
+        </p:nvSpPr>
+        <p:spPr>
+          <a:xfrm>
+            <a:off x="3844344" y="3565302"/>
+            <a:ext cx="1738648" cy="276999"/>
+          </a:xfrm>
+          <a:prstGeom prst="rect">
+            <a:avLst/>
+          </a:prstGeom>
+          <a:noFill/>
+        </p:spPr>
+        <p:txBody>
+          <a:bodyPr wrap="square" rtlCol="0">
+            <a:spAutoFit/>
+          </a:bodyPr>
+          <a:lstStyle/>
+          <a:p>
+            <a:r>
+              <a:rPr lang="es-419" sz="1200" dirty="0">
+                <a:solidFill>
+                  <a:srgbClr val="C00000"/>
+                </a:solidFill>
+              </a:rPr>
+              <a:t>O</a:t>
+            </a:r>
+            <a:r>
+              <a:rPr lang="en-US" sz="1200" dirty="0" err="1">
+                <a:solidFill>
+                  <a:srgbClr val="C00000"/>
+                </a:solidFill>
+              </a:rPr>
+              <a:t>lvide</a:t>
+            </a:r>
+            <a:r>
+              <a:rPr lang="en-US" sz="1200" dirty="0">
+                <a:solidFill>
+                  <a:srgbClr val="C00000"/>
+                </a:solidFill>
+              </a:rPr>
+              <a:t> mi </a:t>
+            </a:r>
+            <a:r>
+              <a:rPr lang="en-US" sz="1200" dirty="0" err="1">
+                <a:solidFill>
+                  <a:srgbClr val="C00000"/>
+                </a:solidFill>
+              </a:rPr>
+              <a:t>contraseña</a:t>
+            </a:r>
+            <a:endParaRPr lang="en-US" sz="1200" dirty="0">
+              <a:solidFill>
+                <a:srgbClr val="C00000"/>
+              </a:solidFill>
+            </a:endParaRPr>
+          </a:p>
+        </p:txBody>
+      </p:sp>
+      <p:sp>
+        <p:nvSpPr>
+          <p:cNvPr id="12" name="TextBox 11">
+            <a:extLst>
+              <a:ext uri="{FF2B5EF4-FFF2-40B4-BE49-F238E27FC236}">
+                <a16:creationId xmlns:a16="http://schemas.microsoft.com/office/drawing/2014/main" id="{8BE7CED8-7289-44FF-A875-6CA87BD007FF}"/>
+              </a:ext>
+            </a:extLst>
+          </p:cNvPr>
+          <p:cNvSpPr txBox="1"/>
+          <p:nvPr/>
+        </p:nvSpPr>
+        <p:spPr>
+          <a:xfrm>
+            <a:off x="861810" y="303657"/>
+            <a:ext cx="1777285" cy="369332"/>
+          </a:xfrm>
+          <a:prstGeom prst="rect">
+            <a:avLst/>
+          </a:prstGeom>
+          <a:noFill/>
+        </p:spPr>
+        <p:txBody>
+          <a:bodyPr wrap="square" rtlCol="0">
+            <a:spAutoFit/>
+          </a:bodyPr>
+          <a:lstStyle/>
+          <a:p>
+            <a:r>
+              <a:rPr lang="en-US" dirty="0"/>
+              <a:t>Login</a:t>
+            </a:r>
+          </a:p>
+        </p:txBody>
+      </p:sp>
+    </p:spTree>
+    <p:extLst>
+      <p:ext uri="{BB962C8B-B14F-4D97-AF65-F5344CB8AC3E}">
+        <p14:creationId xmlns:p14="http://schemas.microsoft.com/office/powerpoint/2010/main" val="776194398"/>
+      </p:ext>
+    </p:extLst>
+  </p:cSld>
+  <p:clrMapOvr>
+    <a:masterClrMapping/>
+  </p:clrMapOvr>
+</p:sld>
+</file>
+
+<file path=ppt/slides/slide4.xml><?xml version="1.0" encoding="utf-8"?>
+<p:sld xmlns:a="http://schemas.openxmlformats.org/drawingml/2006/main" xmlns:r="http://schemas.openxmlformats.org/officeDocument/2006/relationships" xmlns:p="http://schemas.openxmlformats.org/presentationml/2006/main">
+  <p:cSld>
+    <p:spTree>
+      <p:nvGrpSpPr>
+        <p:cNvPr id="1" name=""/>
+        <p:cNvGrpSpPr/>
+        <p:nvPr/>
+      </p:nvGrpSpPr>
+      <p:grpSpPr>
+        <a:xfrm>
+          <a:off x="0" y="0"/>
+          <a:ext cx="0" cy="0"/>
+          <a:chOff x="0" y="0"/>
+          <a:chExt cx="0" cy="0"/>
+        </a:xfrm>
+      </p:grpSpPr>
+      <p:sp>
+        <p:nvSpPr>
+          <p:cNvPr id="4" name="Rectangle 3">
+            <a:extLst>
+              <a:ext uri="{FF2B5EF4-FFF2-40B4-BE49-F238E27FC236}">
+                <a16:creationId xmlns:a16="http://schemas.microsoft.com/office/drawing/2014/main" id="{70DD664C-66B1-4B49-A663-220996A27E1B}"/>
+              </a:ext>
+            </a:extLst>
+          </p:cNvPr>
+          <p:cNvSpPr/>
+          <p:nvPr/>
+        </p:nvSpPr>
+        <p:spPr>
+          <a:xfrm>
+            <a:off x="0" y="0"/>
+            <a:ext cx="2228045" cy="6858000"/>
+          </a:xfrm>
+          <a:prstGeom prst="rect">
+            <a:avLst/>
+          </a:prstGeom>
+        </p:spPr>
+        <p:style>
+          <a:lnRef idx="2">
+            <a:schemeClr val="accent3">
+              <a:shade val="50000"/>
+            </a:schemeClr>
+          </a:lnRef>
+          <a:fillRef idx="1">
+            <a:schemeClr val="accent3"/>
+          </a:fillRef>
+          <a:effectRef idx="0">
+            <a:schemeClr val="accent3"/>
+          </a:effectRef>
+          <a:fontRef idx="minor">
+            <a:schemeClr val="lt1"/>
+          </a:fontRef>
+        </p:style>
+        <p:txBody>
+          <a:bodyPr rtlCol="0" anchor="ctr"/>
+          <a:lstStyle/>
+          <a:p>
+            <a:pPr algn="ctr"/>
+            <a:endParaRPr lang="en-US"/>
+          </a:p>
+        </p:txBody>
+      </p:sp>
+      <p:sp>
+        <p:nvSpPr>
+          <p:cNvPr id="5" name="Rectangle 4">
+            <a:extLst>
+              <a:ext uri="{FF2B5EF4-FFF2-40B4-BE49-F238E27FC236}">
+                <a16:creationId xmlns:a16="http://schemas.microsoft.com/office/drawing/2014/main" id="{41345DD3-4BAB-419D-A478-FD9022C9F7F4}"/>
+              </a:ext>
+            </a:extLst>
+          </p:cNvPr>
+          <p:cNvSpPr/>
+          <p:nvPr/>
+        </p:nvSpPr>
+        <p:spPr>
+          <a:xfrm>
+            <a:off x="2228044" y="0"/>
+            <a:ext cx="9963955" cy="530180"/>
+          </a:xfrm>
+          <a:prstGeom prst="rect">
+            <a:avLst/>
+          </a:prstGeom>
+        </p:spPr>
+        <p:style>
+          <a:lnRef idx="2">
+            <a:schemeClr val="accent3">
+              <a:shade val="50000"/>
+            </a:schemeClr>
+          </a:lnRef>
+          <a:fillRef idx="1">
+            <a:schemeClr val="accent3"/>
+          </a:fillRef>
+          <a:effectRef idx="0">
+            <a:schemeClr val="accent3"/>
+          </a:effectRef>
+          <a:fontRef idx="minor">
+            <a:schemeClr val="lt1"/>
+          </a:fontRef>
+        </p:style>
+        <p:txBody>
+          <a:bodyPr rtlCol="0" anchor="ctr"/>
+          <a:lstStyle/>
+          <a:p>
+            <a:pPr algn="ctr"/>
+            <a:endParaRPr lang="en-US"/>
+          </a:p>
+        </p:txBody>
+      </p:sp>
+      <p:sp>
+        <p:nvSpPr>
+          <p:cNvPr id="6" name="TextBox 5">
+            <a:extLst>
+              <a:ext uri="{FF2B5EF4-FFF2-40B4-BE49-F238E27FC236}">
+                <a16:creationId xmlns:a16="http://schemas.microsoft.com/office/drawing/2014/main" id="{BE24E20B-2293-44D6-9E68-6A56699091BB}"/>
+              </a:ext>
+            </a:extLst>
+          </p:cNvPr>
+          <p:cNvSpPr txBox="1"/>
+          <p:nvPr/>
+        </p:nvSpPr>
+        <p:spPr>
+          <a:xfrm>
+            <a:off x="528034" y="207014"/>
+            <a:ext cx="1133341" cy="646331"/>
+          </a:xfrm>
+          <a:prstGeom prst="rect">
+            <a:avLst/>
+          </a:prstGeom>
+          <a:noFill/>
+        </p:spPr>
+        <p:txBody>
+          <a:bodyPr wrap="square" rtlCol="0">
+            <a:spAutoFit/>
+          </a:bodyPr>
+          <a:lstStyle/>
+          <a:p>
+            <a:r>
+              <a:rPr lang="en-US" dirty="0" err="1">
+                <a:solidFill>
+                  <a:schemeClr val="bg1"/>
+                </a:solidFill>
+              </a:rPr>
+              <a:t>Usuario</a:t>
+            </a:r>
+            <a:r>
+              <a:rPr lang="en-US" dirty="0">
+                <a:solidFill>
+                  <a:schemeClr val="bg1"/>
+                </a:solidFill>
+              </a:rPr>
+              <a:t> </a:t>
+            </a:r>
+            <a:r>
+              <a:rPr lang="en-US" dirty="0" err="1">
+                <a:solidFill>
+                  <a:schemeClr val="bg1"/>
+                </a:solidFill>
+              </a:rPr>
+              <a:t>fulanita</a:t>
+            </a:r>
+            <a:endParaRPr lang="en-US" dirty="0">
+              <a:solidFill>
+                <a:schemeClr val="bg1"/>
+              </a:solidFill>
+            </a:endParaRPr>
+          </a:p>
+        </p:txBody>
+      </p:sp>
+      <p:sp>
+        <p:nvSpPr>
+          <p:cNvPr id="7" name="TextBox 6">
+            <a:extLst>
+              <a:ext uri="{FF2B5EF4-FFF2-40B4-BE49-F238E27FC236}">
+                <a16:creationId xmlns:a16="http://schemas.microsoft.com/office/drawing/2014/main" id="{38DF0259-2B2E-47F4-8DFD-9F667471C86C}"/>
+              </a:ext>
+            </a:extLst>
+          </p:cNvPr>
+          <p:cNvSpPr txBox="1"/>
+          <p:nvPr/>
+        </p:nvSpPr>
+        <p:spPr>
+          <a:xfrm>
+            <a:off x="11290477" y="91086"/>
+            <a:ext cx="1133341" cy="369332"/>
+          </a:xfrm>
+          <a:prstGeom prst="rect">
+            <a:avLst/>
+          </a:prstGeom>
+          <a:noFill/>
+        </p:spPr>
+        <p:txBody>
+          <a:bodyPr wrap="square" rtlCol="0">
+            <a:spAutoFit/>
+          </a:bodyPr>
+          <a:lstStyle/>
+          <a:p>
+            <a:r>
+              <a:rPr lang="en-US" dirty="0" err="1">
+                <a:solidFill>
+                  <a:schemeClr val="bg1"/>
+                </a:solidFill>
+              </a:rPr>
+              <a:t>Salir</a:t>
+            </a:r>
+            <a:endParaRPr lang="en-US" dirty="0">
+              <a:solidFill>
+                <a:schemeClr val="bg1"/>
+              </a:solidFill>
+            </a:endParaRPr>
+          </a:p>
+        </p:txBody>
+      </p:sp>
+      <p:sp>
+        <p:nvSpPr>
+          <p:cNvPr id="8" name="Rectangle: Rounded Corners 7">
+            <a:extLst>
+              <a:ext uri="{FF2B5EF4-FFF2-40B4-BE49-F238E27FC236}">
+                <a16:creationId xmlns:a16="http://schemas.microsoft.com/office/drawing/2014/main" id="{EE84D01E-06F3-47F6-88EE-EDD5D4F66088}"/>
+              </a:ext>
+            </a:extLst>
+          </p:cNvPr>
+          <p:cNvSpPr/>
+          <p:nvPr/>
+        </p:nvSpPr>
+        <p:spPr>
+          <a:xfrm>
+            <a:off x="0" y="1918952"/>
+            <a:ext cx="2228044" cy="502276"/>
+          </a:xfrm>
+          <a:prstGeom prst="roundRect">
+            <a:avLst/>
+          </a:prstGeom>
+        </p:spPr>
+        <p:style>
+          <a:lnRef idx="2">
+            <a:schemeClr val="accent1">
+              <a:shade val="50000"/>
+            </a:schemeClr>
+          </a:lnRef>
+          <a:fillRef idx="1">
+            <a:schemeClr val="accent1"/>
+          </a:fillRef>
+          <a:effectRef idx="0">
+            <a:schemeClr val="accent1"/>
+          </a:effectRef>
+          <a:fontRef idx="minor">
+            <a:schemeClr val="lt1"/>
+          </a:fontRef>
+        </p:style>
+        <p:txBody>
+          <a:bodyPr rtlCol="0" anchor="ctr"/>
+          <a:lstStyle/>
+          <a:p>
+            <a:pPr algn="ctr"/>
+            <a:r>
+              <a:rPr lang="es-419" dirty="0" err="1"/>
+              <a:t>Ordernes</a:t>
+            </a:r>
+            <a:r>
+              <a:rPr lang="es-419" dirty="0"/>
+              <a:t> de servicio</a:t>
+            </a:r>
+            <a:endParaRPr lang="en-US" dirty="0"/>
+          </a:p>
+        </p:txBody>
+      </p:sp>
+      <p:sp>
+        <p:nvSpPr>
+          <p:cNvPr id="9" name="Rectangle: Rounded Corners 8">
+            <a:extLst>
+              <a:ext uri="{FF2B5EF4-FFF2-40B4-BE49-F238E27FC236}">
+                <a16:creationId xmlns:a16="http://schemas.microsoft.com/office/drawing/2014/main" id="{5EAA6BDD-FA72-47DD-B98E-DC972788AD10}"/>
+              </a:ext>
+            </a:extLst>
+          </p:cNvPr>
+          <p:cNvSpPr/>
+          <p:nvPr/>
+        </p:nvSpPr>
+        <p:spPr>
+          <a:xfrm>
+            <a:off x="0" y="2475010"/>
+            <a:ext cx="2228044" cy="502276"/>
+          </a:xfrm>
+          <a:prstGeom prst="roundRect">
+            <a:avLst/>
+          </a:prstGeom>
+        </p:spPr>
+        <p:style>
+          <a:lnRef idx="2">
+            <a:schemeClr val="accent1">
+              <a:shade val="50000"/>
+            </a:schemeClr>
+          </a:lnRef>
+          <a:fillRef idx="1">
+            <a:schemeClr val="accent1"/>
+          </a:fillRef>
+          <a:effectRef idx="0">
+            <a:schemeClr val="accent1"/>
+          </a:effectRef>
+          <a:fontRef idx="minor">
+            <a:schemeClr val="lt1"/>
+          </a:fontRef>
+        </p:style>
+        <p:txBody>
+          <a:bodyPr rtlCol="0" anchor="ctr"/>
+          <a:lstStyle/>
+          <a:p>
+            <a:pPr algn="ctr"/>
+            <a:r>
+              <a:rPr lang="es-419" dirty="0"/>
+              <a:t>Cotizaciones</a:t>
+            </a:r>
+            <a:endParaRPr lang="en-US" dirty="0"/>
+          </a:p>
+        </p:txBody>
+      </p:sp>
+      <p:sp>
+        <p:nvSpPr>
+          <p:cNvPr id="10" name="Rectangle: Rounded Corners 9">
+            <a:extLst>
+              <a:ext uri="{FF2B5EF4-FFF2-40B4-BE49-F238E27FC236}">
+                <a16:creationId xmlns:a16="http://schemas.microsoft.com/office/drawing/2014/main" id="{247DC8A1-6571-4DC7-BA48-68997DA256A6}"/>
+              </a:ext>
+            </a:extLst>
+          </p:cNvPr>
+          <p:cNvSpPr/>
+          <p:nvPr/>
+        </p:nvSpPr>
+        <p:spPr>
+          <a:xfrm>
+            <a:off x="0" y="3581280"/>
+            <a:ext cx="2228044" cy="502276"/>
+          </a:xfrm>
+          <a:prstGeom prst="roundRect">
+            <a:avLst/>
+          </a:prstGeom>
+        </p:spPr>
+        <p:style>
+          <a:lnRef idx="2">
+            <a:schemeClr val="accent1">
+              <a:shade val="50000"/>
+            </a:schemeClr>
+          </a:lnRef>
+          <a:fillRef idx="1">
+            <a:schemeClr val="accent1"/>
+          </a:fillRef>
+          <a:effectRef idx="0">
+            <a:schemeClr val="accent1"/>
+          </a:effectRef>
+          <a:fontRef idx="minor">
+            <a:schemeClr val="lt1"/>
+          </a:fontRef>
+        </p:style>
+        <p:txBody>
+          <a:bodyPr rtlCol="0" anchor="ctr"/>
+          <a:lstStyle/>
+          <a:p>
+            <a:pPr algn="ctr"/>
+            <a:r>
+              <a:rPr lang="es-419" dirty="0"/>
+              <a:t>Usuarios</a:t>
+            </a:r>
+            <a:endParaRPr lang="en-US" dirty="0"/>
+          </a:p>
+        </p:txBody>
+      </p:sp>
+      <p:sp>
+        <p:nvSpPr>
+          <p:cNvPr id="11" name="Rectangle: Rounded Corners 10">
+            <a:extLst>
+              <a:ext uri="{FF2B5EF4-FFF2-40B4-BE49-F238E27FC236}">
+                <a16:creationId xmlns:a16="http://schemas.microsoft.com/office/drawing/2014/main" id="{195575CB-F117-43C6-ADAA-87872D67A1F8}"/>
+              </a:ext>
+            </a:extLst>
+          </p:cNvPr>
+          <p:cNvSpPr/>
+          <p:nvPr/>
+        </p:nvSpPr>
+        <p:spPr>
+          <a:xfrm>
+            <a:off x="0" y="4137338"/>
+            <a:ext cx="2228044" cy="502276"/>
+          </a:xfrm>
+          <a:prstGeom prst="roundRect">
+            <a:avLst/>
+          </a:prstGeom>
+        </p:spPr>
+        <p:style>
+          <a:lnRef idx="2">
+            <a:schemeClr val="accent1">
+              <a:shade val="50000"/>
+            </a:schemeClr>
+          </a:lnRef>
+          <a:fillRef idx="1">
+            <a:schemeClr val="accent1"/>
+          </a:fillRef>
+          <a:effectRef idx="0">
+            <a:schemeClr val="accent1"/>
+          </a:effectRef>
+          <a:fontRef idx="minor">
+            <a:schemeClr val="lt1"/>
+          </a:fontRef>
+        </p:style>
+        <p:txBody>
+          <a:bodyPr rtlCol="0" anchor="ctr"/>
+          <a:lstStyle/>
+          <a:p>
+            <a:pPr algn="ctr"/>
+            <a:r>
+              <a:rPr lang="es-419" dirty="0"/>
+              <a:t>Marcas</a:t>
+            </a:r>
+            <a:endParaRPr lang="en-US" dirty="0"/>
           </a:p>
         </p:txBody>
       </p:sp>
       <p:graphicFrame>
         <p:nvGraphicFramePr>
-          <p:cNvPr id="4" name="Object 3">
-            <a:extLst>
-              <a:ext uri="{FF2B5EF4-FFF2-40B4-BE49-F238E27FC236}">
-                <a16:creationId xmlns:a16="http://schemas.microsoft.com/office/drawing/2014/main" id="{E185D702-169F-4CD8-888B-1B42F246E3A1}"/>
+          <p:cNvPr id="12" name="Table 12">
+            <a:extLst>
+              <a:ext uri="{FF2B5EF4-FFF2-40B4-BE49-F238E27FC236}">
+                <a16:creationId xmlns:a16="http://schemas.microsoft.com/office/drawing/2014/main" id="{6FB3A3E0-B743-4B4D-85B7-34A070EFB2B2}"/>
               </a:ext>
             </a:extLst>
           </p:cNvPr>
           <p:cNvGraphicFramePr>
-            <a:graphicFrameLocks noChangeAspect="1"/>
+            <a:graphicFrameLocks noGrp="1"/>
           </p:cNvGraphicFramePr>
           <p:nvPr>
             <p:extLst>
               <p:ext uri="{D42A27DB-BD31-4B8C-83A1-F6EECF244321}">
-                <p14:modId xmlns:p14="http://schemas.microsoft.com/office/powerpoint/2010/main" val="2396323311"/>
+                <p14:modId xmlns:p14="http://schemas.microsoft.com/office/powerpoint/2010/main" val="3608781154"/>
               </p:ext>
             </p:extLst>
           </p:nvPr>
         </p:nvGraphicFramePr>
         <p:xfrm>
-          <a:off x="838200" y="1804987"/>
-          <a:ext cx="10883156" cy="4325357"/>
+          <a:off x="2341093" y="1426884"/>
+          <a:ext cx="8128002" cy="1112520"/>
         </p:xfrm>
         <a:graphic>
-          <a:graphicData uri="http://schemas.openxmlformats.org/presentationml/2006/ole">
-            <mc:AlternateContent xmlns:mc="http://schemas.openxmlformats.org/markup-compatibility/2006">
-              <mc:Choice xmlns:v="urn:schemas-microsoft-com:vml" Requires="v">
-                <p:oleObj spid="_x0000_s2050" name="Worksheet" r:id="rId3" imgW="8172602" imgH="3247864" progId="Excel.Sheet.12">
-                  <p:embed/>
-                </p:oleObj>
-              </mc:Choice>
-              <mc:Fallback>
-                <p:oleObj name="Worksheet" r:id="rId3" imgW="8172602" imgH="3247864" progId="Excel.Sheet.12">
-                  <p:embed/>
-                  <p:pic>
-                    <p:nvPicPr>
-                      <p:cNvPr id="13" name="Object 12">
-                        <a:extLst>
-                          <a:ext uri="{FF2B5EF4-FFF2-40B4-BE49-F238E27FC236}">
-                            <a16:creationId xmlns:a16="http://schemas.microsoft.com/office/drawing/2014/main" id="{EFC65A31-2841-41CC-9025-DF6C60A82D18}"/>
-                          </a:ext>
-                        </a:extLst>
-                      </p:cNvPr>
-                      <p:cNvPicPr/>
-                      <p:nvPr/>
-                    </p:nvPicPr>
-                    <p:blipFill>
-                      <a:blip r:embed="rId4"/>
-                      <a:stretch>
-                        <a:fillRect/>
-                      </a:stretch>
-                    </p:blipFill>
-                    <p:spPr>
-                      <a:xfrm>
-                        <a:off x="838200" y="1804987"/>
-                        <a:ext cx="10883156" cy="4325357"/>
-                      </a:xfrm>
-                      <a:prstGeom prst="rect">
-                        <a:avLst/>
-                      </a:prstGeom>
-                    </p:spPr>
-                  </p:pic>
-                </p:oleObj>
-              </mc:Fallback>
-            </mc:AlternateContent>
+          <a:graphicData uri="http://schemas.openxmlformats.org/drawingml/2006/table">
+            <a:tbl>
+              <a:tblPr firstRow="1" bandRow="1">
+                <a:tableStyleId>{5C22544A-7EE6-4342-B048-85BDC9FD1C3A}</a:tableStyleId>
+              </a:tblPr>
+              <a:tblGrid>
+                <a:gridCol w="1354667">
+                  <a:extLst>
+                    <a:ext uri="{9D8B030D-6E8A-4147-A177-3AD203B41FA5}">
+                      <a16:colId xmlns:a16="http://schemas.microsoft.com/office/drawing/2014/main" val="3583956411"/>
+                    </a:ext>
+                  </a:extLst>
+                </a:gridCol>
+                <a:gridCol w="1354667">
+                  <a:extLst>
+                    <a:ext uri="{9D8B030D-6E8A-4147-A177-3AD203B41FA5}">
+                      <a16:colId xmlns:a16="http://schemas.microsoft.com/office/drawing/2014/main" val="1267758515"/>
+                    </a:ext>
+                  </a:extLst>
+                </a:gridCol>
+                <a:gridCol w="1354667">
+                  <a:extLst>
+                    <a:ext uri="{9D8B030D-6E8A-4147-A177-3AD203B41FA5}">
+                      <a16:colId xmlns:a16="http://schemas.microsoft.com/office/drawing/2014/main" val="1984852372"/>
+                    </a:ext>
+                  </a:extLst>
+                </a:gridCol>
+                <a:gridCol w="1354667">
+                  <a:extLst>
+                    <a:ext uri="{9D8B030D-6E8A-4147-A177-3AD203B41FA5}">
+                      <a16:colId xmlns:a16="http://schemas.microsoft.com/office/drawing/2014/main" val="1310663516"/>
+                    </a:ext>
+                  </a:extLst>
+                </a:gridCol>
+                <a:gridCol w="1354667">
+                  <a:extLst>
+                    <a:ext uri="{9D8B030D-6E8A-4147-A177-3AD203B41FA5}">
+                      <a16:colId xmlns:a16="http://schemas.microsoft.com/office/drawing/2014/main" val="1809094295"/>
+                    </a:ext>
+                  </a:extLst>
+                </a:gridCol>
+                <a:gridCol w="1354667">
+                  <a:extLst>
+                    <a:ext uri="{9D8B030D-6E8A-4147-A177-3AD203B41FA5}">
+                      <a16:colId xmlns:a16="http://schemas.microsoft.com/office/drawing/2014/main" val="2978977549"/>
+                    </a:ext>
+                  </a:extLst>
+                </a:gridCol>
+              </a:tblGrid>
+              <a:tr h="370840">
+                <a:tc>
+                  <a:txBody>
+                    <a:bodyPr/>
+                    <a:lstStyle/>
+                    <a:p>
+                      <a:r>
+                        <a:rPr lang="es-419" dirty="0"/>
+                        <a:t>Cliente</a:t>
+                      </a:r>
+                      <a:endParaRPr lang="en-US" dirty="0"/>
+                    </a:p>
+                  </a:txBody>
+                  <a:tcPr/>
+                </a:tc>
+                <a:tc>
+                  <a:txBody>
+                    <a:bodyPr/>
+                    <a:lstStyle/>
+                    <a:p>
+                      <a:r>
+                        <a:rPr lang="es-419" dirty="0" err="1"/>
+                        <a:t>Telefono</a:t>
+                      </a:r>
+                      <a:endParaRPr lang="en-US" dirty="0"/>
+                    </a:p>
+                  </a:txBody>
+                  <a:tcPr/>
+                </a:tc>
+                <a:tc>
+                  <a:txBody>
+                    <a:bodyPr/>
+                    <a:lstStyle/>
+                    <a:p>
+                      <a:r>
+                        <a:rPr lang="es-419" dirty="0"/>
+                        <a:t>Marca</a:t>
+                      </a:r>
+                      <a:endParaRPr lang="en-US" dirty="0"/>
+                    </a:p>
+                  </a:txBody>
+                  <a:tcPr/>
+                </a:tc>
+                <a:tc>
+                  <a:txBody>
+                    <a:bodyPr/>
+                    <a:lstStyle/>
+                    <a:p>
+                      <a:r>
+                        <a:rPr lang="es-419" dirty="0"/>
+                        <a:t>Modelo</a:t>
+                      </a:r>
+                      <a:endParaRPr lang="en-US" dirty="0"/>
+                    </a:p>
+                  </a:txBody>
+                  <a:tcPr/>
+                </a:tc>
+                <a:tc>
+                  <a:txBody>
+                    <a:bodyPr/>
+                    <a:lstStyle/>
+                    <a:p>
+                      <a:r>
+                        <a:rPr lang="es-419" dirty="0"/>
+                        <a:t>Estado</a:t>
+                      </a:r>
+                      <a:endParaRPr lang="en-US" dirty="0"/>
+                    </a:p>
+                  </a:txBody>
+                  <a:tcPr/>
+                </a:tc>
+                <a:tc>
+                  <a:txBody>
+                    <a:bodyPr/>
+                    <a:lstStyle/>
+                    <a:p>
+                      <a:r>
+                        <a:rPr lang="es-419" dirty="0"/>
+                        <a:t>Acciones</a:t>
+                      </a:r>
+                      <a:endParaRPr lang="en-US" dirty="0"/>
+                    </a:p>
+                  </a:txBody>
+                  <a:tcPr/>
+                </a:tc>
+                <a:extLst>
+                  <a:ext uri="{0D108BD9-81ED-4DB2-BD59-A6C34878D82A}">
+                    <a16:rowId xmlns:a16="http://schemas.microsoft.com/office/drawing/2014/main" val="3199746068"/>
+                  </a:ext>
+                </a:extLst>
+              </a:tr>
+              <a:tr h="370840">
+                <a:tc>
+                  <a:txBody>
+                    <a:bodyPr/>
+                    <a:lstStyle/>
+                    <a:p>
+                      <a:endParaRPr lang="en-US" dirty="0"/>
+                    </a:p>
+                  </a:txBody>
+                  <a:tcPr/>
+                </a:tc>
+                <a:tc>
+                  <a:txBody>
+                    <a:bodyPr/>
+                    <a:lstStyle/>
+                    <a:p>
+                      <a:endParaRPr lang="en-US"/>
+                    </a:p>
+                  </a:txBody>
+                  <a:tcPr/>
+                </a:tc>
+                <a:tc>
+                  <a:txBody>
+                    <a:bodyPr/>
+                    <a:lstStyle/>
+                    <a:p>
+                      <a:endParaRPr lang="en-US" dirty="0"/>
+                    </a:p>
+                  </a:txBody>
+                  <a:tcPr/>
+                </a:tc>
+                <a:tc>
+                  <a:txBody>
+                    <a:bodyPr/>
+                    <a:lstStyle/>
+                    <a:p>
+                      <a:endParaRPr lang="en-US"/>
+                    </a:p>
+                  </a:txBody>
+                  <a:tcPr/>
+                </a:tc>
+                <a:tc>
+                  <a:txBody>
+                    <a:bodyPr/>
+                    <a:lstStyle/>
+                    <a:p>
+                      <a:endParaRPr lang="en-US"/>
+                    </a:p>
+                  </a:txBody>
+                  <a:tcPr/>
+                </a:tc>
+                <a:tc>
+                  <a:txBody>
+                    <a:bodyPr/>
+                    <a:lstStyle/>
+                    <a:p>
+                      <a:endParaRPr lang="en-US" dirty="0"/>
+                    </a:p>
+                  </a:txBody>
+                  <a:tcPr/>
+                </a:tc>
+                <a:extLst>
+                  <a:ext uri="{0D108BD9-81ED-4DB2-BD59-A6C34878D82A}">
+                    <a16:rowId xmlns:a16="http://schemas.microsoft.com/office/drawing/2014/main" val="3146056686"/>
+                  </a:ext>
+                </a:extLst>
+              </a:tr>
+              <a:tr h="370840">
+                <a:tc>
+                  <a:txBody>
+                    <a:bodyPr/>
+                    <a:lstStyle/>
+                    <a:p>
+                      <a:endParaRPr lang="en-US"/>
+                    </a:p>
+                  </a:txBody>
+                  <a:tcPr/>
+                </a:tc>
+                <a:tc>
+                  <a:txBody>
+                    <a:bodyPr/>
+                    <a:lstStyle/>
+                    <a:p>
+                      <a:endParaRPr lang="en-US" dirty="0"/>
+                    </a:p>
+                  </a:txBody>
+                  <a:tcPr/>
+                </a:tc>
+                <a:tc>
+                  <a:txBody>
+                    <a:bodyPr/>
+                    <a:lstStyle/>
+                    <a:p>
+                      <a:endParaRPr lang="en-US"/>
+                    </a:p>
+                  </a:txBody>
+                  <a:tcPr/>
+                </a:tc>
+                <a:tc>
+                  <a:txBody>
+                    <a:bodyPr/>
+                    <a:lstStyle/>
+                    <a:p>
+                      <a:endParaRPr lang="en-US"/>
+                    </a:p>
+                  </a:txBody>
+                  <a:tcPr/>
+                </a:tc>
+                <a:tc>
+                  <a:txBody>
+                    <a:bodyPr/>
+                    <a:lstStyle/>
+                    <a:p>
+                      <a:endParaRPr lang="en-US"/>
+                    </a:p>
+                  </a:txBody>
+                  <a:tcPr/>
+                </a:tc>
+                <a:tc>
+                  <a:txBody>
+                    <a:bodyPr/>
+                    <a:lstStyle/>
+                    <a:p>
+                      <a:endParaRPr lang="en-US" dirty="0"/>
+                    </a:p>
+                  </a:txBody>
+                  <a:tcPr/>
+                </a:tc>
+                <a:extLst>
+                  <a:ext uri="{0D108BD9-81ED-4DB2-BD59-A6C34878D82A}">
+                    <a16:rowId xmlns:a16="http://schemas.microsoft.com/office/drawing/2014/main" val="1259402299"/>
+                  </a:ext>
+                </a:extLst>
+              </a:tr>
+            </a:tbl>
           </a:graphicData>
         </a:graphic>
       </p:graphicFrame>
+      <p:sp>
+        <p:nvSpPr>
+          <p:cNvPr id="13" name="TextBox 12">
+            <a:extLst>
+              <a:ext uri="{FF2B5EF4-FFF2-40B4-BE49-F238E27FC236}">
+                <a16:creationId xmlns:a16="http://schemas.microsoft.com/office/drawing/2014/main" id="{97EA2B57-C41A-4ECE-A468-26B0B6F1C79B}"/>
+              </a:ext>
+            </a:extLst>
+          </p:cNvPr>
+          <p:cNvSpPr txBox="1"/>
+          <p:nvPr/>
+        </p:nvSpPr>
+        <p:spPr>
+          <a:xfrm>
+            <a:off x="2508518" y="125290"/>
+            <a:ext cx="2411212" cy="369332"/>
+          </a:xfrm>
+          <a:prstGeom prst="rect">
+            <a:avLst/>
+          </a:prstGeom>
+          <a:noFill/>
+        </p:spPr>
+        <p:txBody>
+          <a:bodyPr wrap="square" rtlCol="0">
+            <a:spAutoFit/>
+          </a:bodyPr>
+          <a:lstStyle/>
+          <a:p>
+            <a:r>
+              <a:rPr lang="en-US" dirty="0" err="1">
+                <a:solidFill>
+                  <a:schemeClr val="bg1"/>
+                </a:solidFill>
+              </a:rPr>
+              <a:t>Ordenes</a:t>
+            </a:r>
+            <a:r>
+              <a:rPr lang="en-US" dirty="0">
+                <a:solidFill>
+                  <a:schemeClr val="bg1"/>
+                </a:solidFill>
+              </a:rPr>
+              <a:t> de </a:t>
+            </a:r>
+            <a:r>
+              <a:rPr lang="en-US" dirty="0" err="1">
+                <a:solidFill>
+                  <a:schemeClr val="bg1"/>
+                </a:solidFill>
+              </a:rPr>
+              <a:t>servicio</a:t>
+            </a:r>
+            <a:endParaRPr lang="en-US" dirty="0">
+              <a:solidFill>
+                <a:schemeClr val="bg1"/>
+              </a:solidFill>
+            </a:endParaRPr>
+          </a:p>
+        </p:txBody>
+      </p:sp>
+      <p:sp>
+        <p:nvSpPr>
+          <p:cNvPr id="14" name="Rectangle: Rounded Corners 13">
+            <a:extLst>
+              <a:ext uri="{FF2B5EF4-FFF2-40B4-BE49-F238E27FC236}">
+                <a16:creationId xmlns:a16="http://schemas.microsoft.com/office/drawing/2014/main" id="{F1017C81-7612-4AF5-A895-D64DD012169F}"/>
+              </a:ext>
+            </a:extLst>
+          </p:cNvPr>
+          <p:cNvSpPr/>
+          <p:nvPr/>
+        </p:nvSpPr>
+        <p:spPr>
+          <a:xfrm>
+            <a:off x="2341093" y="853345"/>
+            <a:ext cx="1883178" cy="408785"/>
+          </a:xfrm>
+          <a:prstGeom prst="roundRect">
+            <a:avLst/>
+          </a:prstGeom>
+        </p:spPr>
+        <p:style>
+          <a:lnRef idx="2">
+            <a:schemeClr val="accent6">
+              <a:shade val="50000"/>
+            </a:schemeClr>
+          </a:lnRef>
+          <a:fillRef idx="1">
+            <a:schemeClr val="accent6"/>
+          </a:fillRef>
+          <a:effectRef idx="0">
+            <a:schemeClr val="accent6"/>
+          </a:effectRef>
+          <a:fontRef idx="minor">
+            <a:schemeClr val="lt1"/>
+          </a:fontRef>
+        </p:style>
+        <p:txBody>
+          <a:bodyPr rtlCol="0" anchor="ctr"/>
+          <a:lstStyle/>
+          <a:p>
+            <a:pPr algn="ctr"/>
+            <a:r>
+              <a:rPr lang="es-419" dirty="0"/>
+              <a:t>Nueva Orden</a:t>
+            </a:r>
+            <a:endParaRPr lang="en-US" dirty="0"/>
+          </a:p>
+        </p:txBody>
+      </p:sp>
+      <p:sp>
+        <p:nvSpPr>
+          <p:cNvPr id="15" name="Rectangle: Rounded Corners 14">
+            <a:extLst>
+              <a:ext uri="{FF2B5EF4-FFF2-40B4-BE49-F238E27FC236}">
+                <a16:creationId xmlns:a16="http://schemas.microsoft.com/office/drawing/2014/main" id="{1965AE63-15B8-4DCA-9197-4A6BB901505A}"/>
+              </a:ext>
+            </a:extLst>
+          </p:cNvPr>
+          <p:cNvSpPr/>
+          <p:nvPr/>
+        </p:nvSpPr>
+        <p:spPr>
+          <a:xfrm>
+            <a:off x="0" y="3025222"/>
+            <a:ext cx="2228044" cy="502276"/>
+          </a:xfrm>
+          <a:prstGeom prst="roundRect">
+            <a:avLst/>
+          </a:prstGeom>
+        </p:spPr>
+        <p:style>
+          <a:lnRef idx="2">
+            <a:schemeClr val="accent1">
+              <a:shade val="50000"/>
+            </a:schemeClr>
+          </a:lnRef>
+          <a:fillRef idx="1">
+            <a:schemeClr val="accent1"/>
+          </a:fillRef>
+          <a:effectRef idx="0">
+            <a:schemeClr val="accent1"/>
+          </a:effectRef>
+          <a:fontRef idx="minor">
+            <a:schemeClr val="lt1"/>
+          </a:fontRef>
+        </p:style>
+        <p:txBody>
+          <a:bodyPr rtlCol="0" anchor="ctr"/>
+          <a:lstStyle/>
+          <a:p>
+            <a:pPr algn="ctr"/>
+            <a:r>
+              <a:rPr lang="es-419" dirty="0" err="1"/>
+              <a:t>Facturacion</a:t>
+            </a:r>
+            <a:endParaRPr lang="en-US" dirty="0"/>
+          </a:p>
+        </p:txBody>
+      </p:sp>
+      <p:grpSp>
+        <p:nvGrpSpPr>
+          <p:cNvPr id="26" name="Group 25">
+            <a:extLst>
+              <a:ext uri="{FF2B5EF4-FFF2-40B4-BE49-F238E27FC236}">
+                <a16:creationId xmlns:a16="http://schemas.microsoft.com/office/drawing/2014/main" id="{F97C884F-4BE9-4FE3-8E3B-FCE02CA119E9}"/>
+              </a:ext>
+            </a:extLst>
+          </p:cNvPr>
+          <p:cNvGrpSpPr/>
+          <p:nvPr/>
+        </p:nvGrpSpPr>
+        <p:grpSpPr>
+          <a:xfrm>
+            <a:off x="3192528" y="1057737"/>
+            <a:ext cx="7677239" cy="5537916"/>
+            <a:chOff x="3282682" y="669701"/>
+            <a:chExt cx="7677239" cy="5537916"/>
+          </a:xfrm>
+        </p:grpSpPr>
+        <p:sp>
+          <p:nvSpPr>
+            <p:cNvPr id="16" name="Rectangle 15">
+              <a:extLst>
+                <a:ext uri="{FF2B5EF4-FFF2-40B4-BE49-F238E27FC236}">
+                  <a16:creationId xmlns:a16="http://schemas.microsoft.com/office/drawing/2014/main" id="{5F009000-9F75-4E09-9617-D9FB73AD85DC}"/>
+                </a:ext>
+              </a:extLst>
+            </p:cNvPr>
+            <p:cNvSpPr/>
+            <p:nvPr/>
+          </p:nvSpPr>
+          <p:spPr>
+            <a:xfrm>
+              <a:off x="3282682" y="669701"/>
+              <a:ext cx="7677239" cy="5537916"/>
+            </a:xfrm>
+            <a:prstGeom prst="rect">
+              <a:avLst/>
+            </a:prstGeom>
+          </p:spPr>
+          <p:style>
+            <a:lnRef idx="2">
+              <a:schemeClr val="accent1">
+                <a:shade val="50000"/>
+              </a:schemeClr>
+            </a:lnRef>
+            <a:fillRef idx="1">
+              <a:schemeClr val="accent1"/>
+            </a:fillRef>
+            <a:effectRef idx="0">
+              <a:schemeClr val="accent1"/>
+            </a:effectRef>
+            <a:fontRef idx="minor">
+              <a:schemeClr val="lt1"/>
+            </a:fontRef>
+          </p:style>
+          <p:txBody>
+            <a:bodyPr rtlCol="0" anchor="ctr"/>
+            <a:lstStyle/>
+            <a:p>
+              <a:pPr algn="ctr"/>
+              <a:endParaRPr lang="en-US"/>
+            </a:p>
+          </p:txBody>
+        </p:sp>
+        <p:sp>
+          <p:nvSpPr>
+            <p:cNvPr id="17" name="Rectangle 16">
+              <a:extLst>
+                <a:ext uri="{FF2B5EF4-FFF2-40B4-BE49-F238E27FC236}">
+                  <a16:creationId xmlns:a16="http://schemas.microsoft.com/office/drawing/2014/main" id="{F816C4DB-0E36-4BE2-B402-FE9AB2683076}"/>
+                </a:ext>
+              </a:extLst>
+            </p:cNvPr>
+            <p:cNvSpPr/>
+            <p:nvPr/>
+          </p:nvSpPr>
+          <p:spPr>
+            <a:xfrm>
+              <a:off x="3282682" y="682580"/>
+              <a:ext cx="7677239" cy="604783"/>
+            </a:xfrm>
+            <a:prstGeom prst="rect">
+              <a:avLst/>
+            </a:prstGeom>
+          </p:spPr>
+          <p:style>
+            <a:lnRef idx="2">
+              <a:schemeClr val="accent2">
+                <a:shade val="50000"/>
+              </a:schemeClr>
+            </a:lnRef>
+            <a:fillRef idx="1">
+              <a:schemeClr val="accent2"/>
+            </a:fillRef>
+            <a:effectRef idx="0">
+              <a:schemeClr val="accent2"/>
+            </a:effectRef>
+            <a:fontRef idx="minor">
+              <a:schemeClr val="lt1"/>
+            </a:fontRef>
+          </p:style>
+          <p:txBody>
+            <a:bodyPr rtlCol="0" anchor="ctr"/>
+            <a:lstStyle/>
+            <a:p>
+              <a:pPr algn="ctr"/>
+              <a:r>
+                <a:rPr lang="es-419" dirty="0"/>
+                <a:t>Nueva orden de servicio</a:t>
+              </a:r>
+              <a:endParaRPr lang="en-US" dirty="0"/>
+            </a:p>
+          </p:txBody>
+        </p:sp>
+        <p:sp>
+          <p:nvSpPr>
+            <p:cNvPr id="18" name="Rectangle 17">
+              <a:extLst>
+                <a:ext uri="{FF2B5EF4-FFF2-40B4-BE49-F238E27FC236}">
+                  <a16:creationId xmlns:a16="http://schemas.microsoft.com/office/drawing/2014/main" id="{BF08AE37-C67D-413E-9B64-AF20404E790F}"/>
+                </a:ext>
+              </a:extLst>
+            </p:cNvPr>
+            <p:cNvSpPr/>
+            <p:nvPr/>
+          </p:nvSpPr>
+          <p:spPr>
+            <a:xfrm>
+              <a:off x="3515932" y="1918952"/>
+              <a:ext cx="2580068" cy="556058"/>
+            </a:xfrm>
+            <a:prstGeom prst="rect">
+              <a:avLst/>
+            </a:prstGeom>
+            <a:solidFill>
+              <a:schemeClr val="bg1">
+                <a:lumMod val="95000"/>
+              </a:schemeClr>
+            </a:solidFill>
+          </p:spPr>
+          <p:style>
+            <a:lnRef idx="2">
+              <a:schemeClr val="accent1">
+                <a:shade val="50000"/>
+              </a:schemeClr>
+            </a:lnRef>
+            <a:fillRef idx="1">
+              <a:schemeClr val="accent1"/>
+            </a:fillRef>
+            <a:effectRef idx="0">
+              <a:schemeClr val="accent1"/>
+            </a:effectRef>
+            <a:fontRef idx="minor">
+              <a:schemeClr val="lt1"/>
+            </a:fontRef>
+          </p:style>
+          <p:txBody>
+            <a:bodyPr rtlCol="0" anchor="ctr"/>
+            <a:lstStyle/>
+            <a:p>
+              <a:pPr algn="ctr"/>
+              <a:endParaRPr lang="en-US"/>
+            </a:p>
+          </p:txBody>
+        </p:sp>
+        <p:sp>
+          <p:nvSpPr>
+            <p:cNvPr id="19" name="Rectangle 18">
+              <a:extLst>
+                <a:ext uri="{FF2B5EF4-FFF2-40B4-BE49-F238E27FC236}">
+                  <a16:creationId xmlns:a16="http://schemas.microsoft.com/office/drawing/2014/main" id="{85266C92-528A-41CA-B554-2066FABF1ED1}"/>
+                </a:ext>
+              </a:extLst>
+            </p:cNvPr>
+            <p:cNvSpPr/>
+            <p:nvPr/>
+          </p:nvSpPr>
+          <p:spPr>
+            <a:xfrm>
+              <a:off x="6209048" y="1918952"/>
+              <a:ext cx="2580068" cy="556058"/>
+            </a:xfrm>
+            <a:prstGeom prst="rect">
+              <a:avLst/>
+            </a:prstGeom>
+            <a:solidFill>
+              <a:schemeClr val="bg1">
+                <a:lumMod val="95000"/>
+              </a:schemeClr>
+            </a:solidFill>
+          </p:spPr>
+          <p:style>
+            <a:lnRef idx="2">
+              <a:schemeClr val="accent1">
+                <a:shade val="50000"/>
+              </a:schemeClr>
+            </a:lnRef>
+            <a:fillRef idx="1">
+              <a:schemeClr val="accent1"/>
+            </a:fillRef>
+            <a:effectRef idx="0">
+              <a:schemeClr val="accent1"/>
+            </a:effectRef>
+            <a:fontRef idx="minor">
+              <a:schemeClr val="lt1"/>
+            </a:fontRef>
+          </p:style>
+          <p:txBody>
+            <a:bodyPr rtlCol="0" anchor="ctr"/>
+            <a:lstStyle/>
+            <a:p>
+              <a:pPr algn="ctr"/>
+              <a:endParaRPr lang="en-US"/>
+            </a:p>
+          </p:txBody>
+        </p:sp>
+        <p:sp>
+          <p:nvSpPr>
+            <p:cNvPr id="20" name="Rectangle 19">
+              <a:extLst>
+                <a:ext uri="{FF2B5EF4-FFF2-40B4-BE49-F238E27FC236}">
+                  <a16:creationId xmlns:a16="http://schemas.microsoft.com/office/drawing/2014/main" id="{2525A590-4854-4134-9A3F-C01A282D6CC8}"/>
+                </a:ext>
+              </a:extLst>
+            </p:cNvPr>
+            <p:cNvSpPr/>
+            <p:nvPr/>
+          </p:nvSpPr>
+          <p:spPr>
+            <a:xfrm>
+              <a:off x="3515932" y="2830561"/>
+              <a:ext cx="2580068" cy="556058"/>
+            </a:xfrm>
+            <a:prstGeom prst="rect">
+              <a:avLst/>
+            </a:prstGeom>
+            <a:solidFill>
+              <a:schemeClr val="bg1">
+                <a:lumMod val="95000"/>
+              </a:schemeClr>
+            </a:solidFill>
+          </p:spPr>
+          <p:style>
+            <a:lnRef idx="2">
+              <a:schemeClr val="accent1">
+                <a:shade val="50000"/>
+              </a:schemeClr>
+            </a:lnRef>
+            <a:fillRef idx="1">
+              <a:schemeClr val="accent1"/>
+            </a:fillRef>
+            <a:effectRef idx="0">
+              <a:schemeClr val="accent1"/>
+            </a:effectRef>
+            <a:fontRef idx="minor">
+              <a:schemeClr val="lt1"/>
+            </a:fontRef>
+          </p:style>
+          <p:txBody>
+            <a:bodyPr rtlCol="0" anchor="ctr"/>
+            <a:lstStyle/>
+            <a:p>
+              <a:pPr algn="ctr"/>
+              <a:endParaRPr lang="en-US"/>
+            </a:p>
+          </p:txBody>
+        </p:sp>
+        <p:sp>
+          <p:nvSpPr>
+            <p:cNvPr id="21" name="Rectangle 20">
+              <a:extLst>
+                <a:ext uri="{FF2B5EF4-FFF2-40B4-BE49-F238E27FC236}">
+                  <a16:creationId xmlns:a16="http://schemas.microsoft.com/office/drawing/2014/main" id="{F2966278-1579-4B68-BBDB-BF75AA050EF0}"/>
+                </a:ext>
+              </a:extLst>
+            </p:cNvPr>
+            <p:cNvSpPr/>
+            <p:nvPr/>
+          </p:nvSpPr>
+          <p:spPr>
+            <a:xfrm>
+              <a:off x="6209048" y="2804851"/>
+              <a:ext cx="2580068" cy="556058"/>
+            </a:xfrm>
+            <a:prstGeom prst="rect">
+              <a:avLst/>
+            </a:prstGeom>
+            <a:solidFill>
+              <a:schemeClr val="bg1">
+                <a:lumMod val="95000"/>
+              </a:schemeClr>
+            </a:solidFill>
+          </p:spPr>
+          <p:style>
+            <a:lnRef idx="2">
+              <a:schemeClr val="accent1">
+                <a:shade val="50000"/>
+              </a:schemeClr>
+            </a:lnRef>
+            <a:fillRef idx="1">
+              <a:schemeClr val="accent1"/>
+            </a:fillRef>
+            <a:effectRef idx="0">
+              <a:schemeClr val="accent1"/>
+            </a:effectRef>
+            <a:fontRef idx="minor">
+              <a:schemeClr val="lt1"/>
+            </a:fontRef>
+          </p:style>
+          <p:txBody>
+            <a:bodyPr rtlCol="0" anchor="ctr"/>
+            <a:lstStyle/>
+            <a:p>
+              <a:pPr algn="ctr"/>
+              <a:endParaRPr lang="en-US"/>
+            </a:p>
+          </p:txBody>
+        </p:sp>
+        <p:sp>
+          <p:nvSpPr>
+            <p:cNvPr id="22" name="Rectangle 21">
+              <a:extLst>
+                <a:ext uri="{FF2B5EF4-FFF2-40B4-BE49-F238E27FC236}">
+                  <a16:creationId xmlns:a16="http://schemas.microsoft.com/office/drawing/2014/main" id="{89E5ABFD-04B7-4F75-B248-2B1CF398521C}"/>
+                </a:ext>
+              </a:extLst>
+            </p:cNvPr>
+            <p:cNvSpPr/>
+            <p:nvPr/>
+          </p:nvSpPr>
+          <p:spPr>
+            <a:xfrm>
+              <a:off x="3515932" y="3654213"/>
+              <a:ext cx="2580068" cy="556058"/>
+            </a:xfrm>
+            <a:prstGeom prst="rect">
+              <a:avLst/>
+            </a:prstGeom>
+            <a:solidFill>
+              <a:schemeClr val="bg1">
+                <a:lumMod val="95000"/>
+              </a:schemeClr>
+            </a:solidFill>
+          </p:spPr>
+          <p:style>
+            <a:lnRef idx="2">
+              <a:schemeClr val="accent1">
+                <a:shade val="50000"/>
+              </a:schemeClr>
+            </a:lnRef>
+            <a:fillRef idx="1">
+              <a:schemeClr val="accent1"/>
+            </a:fillRef>
+            <a:effectRef idx="0">
+              <a:schemeClr val="accent1"/>
+            </a:effectRef>
+            <a:fontRef idx="minor">
+              <a:schemeClr val="lt1"/>
+            </a:fontRef>
+          </p:style>
+          <p:txBody>
+            <a:bodyPr rtlCol="0" anchor="ctr"/>
+            <a:lstStyle/>
+            <a:p>
+              <a:pPr algn="ctr"/>
+              <a:endParaRPr lang="en-US"/>
+            </a:p>
+          </p:txBody>
+        </p:sp>
+        <p:sp>
+          <p:nvSpPr>
+            <p:cNvPr id="23" name="Rectangle 22">
+              <a:extLst>
+                <a:ext uri="{FF2B5EF4-FFF2-40B4-BE49-F238E27FC236}">
+                  <a16:creationId xmlns:a16="http://schemas.microsoft.com/office/drawing/2014/main" id="{D291C28F-27CE-4E47-B44B-BF1D93D69D08}"/>
+                </a:ext>
+              </a:extLst>
+            </p:cNvPr>
+            <p:cNvSpPr/>
+            <p:nvPr/>
+          </p:nvSpPr>
+          <p:spPr>
+            <a:xfrm>
+              <a:off x="6329250" y="3626357"/>
+              <a:ext cx="2580068" cy="556058"/>
+            </a:xfrm>
+            <a:prstGeom prst="rect">
+              <a:avLst/>
+            </a:prstGeom>
+            <a:solidFill>
+              <a:schemeClr val="bg1">
+                <a:lumMod val="95000"/>
+              </a:schemeClr>
+            </a:solidFill>
+          </p:spPr>
+          <p:style>
+            <a:lnRef idx="2">
+              <a:schemeClr val="accent1">
+                <a:shade val="50000"/>
+              </a:schemeClr>
+            </a:lnRef>
+            <a:fillRef idx="1">
+              <a:schemeClr val="accent1"/>
+            </a:fillRef>
+            <a:effectRef idx="0">
+              <a:schemeClr val="accent1"/>
+            </a:effectRef>
+            <a:fontRef idx="minor">
+              <a:schemeClr val="lt1"/>
+            </a:fontRef>
+          </p:style>
+          <p:txBody>
+            <a:bodyPr rtlCol="0" anchor="ctr"/>
+            <a:lstStyle/>
+            <a:p>
+              <a:pPr algn="ctr"/>
+              <a:endParaRPr lang="en-US"/>
+            </a:p>
+          </p:txBody>
+        </p:sp>
+        <p:sp>
+          <p:nvSpPr>
+            <p:cNvPr id="24" name="Rectangle: Rounded Corners 23">
+              <a:extLst>
+                <a:ext uri="{FF2B5EF4-FFF2-40B4-BE49-F238E27FC236}">
+                  <a16:creationId xmlns:a16="http://schemas.microsoft.com/office/drawing/2014/main" id="{040D0198-24F1-4BF3-99F2-C59AD0C5EAA5}"/>
+                </a:ext>
+              </a:extLst>
+            </p:cNvPr>
+            <p:cNvSpPr/>
+            <p:nvPr/>
+          </p:nvSpPr>
+          <p:spPr>
+            <a:xfrm>
+              <a:off x="8789116" y="5434456"/>
+              <a:ext cx="1883178" cy="408785"/>
+            </a:xfrm>
+            <a:prstGeom prst="roundRect">
+              <a:avLst/>
+            </a:prstGeom>
+            <a:solidFill>
+              <a:srgbClr val="FF3B3B"/>
+            </a:solidFill>
+          </p:spPr>
+          <p:style>
+            <a:lnRef idx="2">
+              <a:schemeClr val="accent6">
+                <a:shade val="50000"/>
+              </a:schemeClr>
+            </a:lnRef>
+            <a:fillRef idx="1">
+              <a:schemeClr val="accent6"/>
+            </a:fillRef>
+            <a:effectRef idx="0">
+              <a:schemeClr val="accent6"/>
+            </a:effectRef>
+            <a:fontRef idx="minor">
+              <a:schemeClr val="lt1"/>
+            </a:fontRef>
+          </p:style>
+          <p:txBody>
+            <a:bodyPr rtlCol="0" anchor="ctr"/>
+            <a:lstStyle/>
+            <a:p>
+              <a:pPr algn="ctr"/>
+              <a:r>
+                <a:rPr lang="es-419" dirty="0"/>
+                <a:t>Cancelar</a:t>
+              </a:r>
+              <a:endParaRPr lang="en-US" dirty="0"/>
+            </a:p>
+          </p:txBody>
+        </p:sp>
+        <p:sp>
+          <p:nvSpPr>
+            <p:cNvPr id="25" name="Rectangle: Rounded Corners 24">
+              <a:extLst>
+                <a:ext uri="{FF2B5EF4-FFF2-40B4-BE49-F238E27FC236}">
+                  <a16:creationId xmlns:a16="http://schemas.microsoft.com/office/drawing/2014/main" id="{4403D179-FF91-4B54-ADD1-1602A7DDEEE9}"/>
+                </a:ext>
+              </a:extLst>
+            </p:cNvPr>
+            <p:cNvSpPr/>
+            <p:nvPr/>
+          </p:nvSpPr>
+          <p:spPr>
+            <a:xfrm>
+              <a:off x="6792890" y="5434456"/>
+              <a:ext cx="1883178" cy="408785"/>
+            </a:xfrm>
+            <a:prstGeom prst="roundRect">
+              <a:avLst/>
+            </a:prstGeom>
+          </p:spPr>
+          <p:style>
+            <a:lnRef idx="2">
+              <a:schemeClr val="accent6">
+                <a:shade val="50000"/>
+              </a:schemeClr>
+            </a:lnRef>
+            <a:fillRef idx="1">
+              <a:schemeClr val="accent6"/>
+            </a:fillRef>
+            <a:effectRef idx="0">
+              <a:schemeClr val="accent6"/>
+            </a:effectRef>
+            <a:fontRef idx="minor">
+              <a:schemeClr val="lt1"/>
+            </a:fontRef>
+          </p:style>
+          <p:txBody>
+            <a:bodyPr rtlCol="0" anchor="ctr"/>
+            <a:lstStyle/>
+            <a:p>
+              <a:pPr algn="ctr"/>
+              <a:r>
+                <a:rPr lang="es-419" dirty="0"/>
+                <a:t>Guardar</a:t>
+              </a:r>
+              <a:endParaRPr lang="en-US" dirty="0"/>
+            </a:p>
+          </p:txBody>
+        </p:sp>
+      </p:grpSp>
     </p:spTree>
     <p:extLst>
       <p:ext uri="{BB962C8B-B14F-4D97-AF65-F5344CB8AC3E}">
-        <p14:creationId xmlns:p14="http://schemas.microsoft.com/office/powerpoint/2010/main" val="3310416964"/>
+        <p14:creationId xmlns:p14="http://schemas.microsoft.com/office/powerpoint/2010/main" val="3613039193"/>
+      </p:ext>
+    </p:extLst>
+  </p:cSld>
+  <p:clrMapOvr>
+    <a:masterClrMapping/>
+  </p:clrMapOvr>
+</p:sld>
+</file>
+
+<file path=ppt/slides/slide5.xml><?xml version="1.0" encoding="utf-8"?>
+<p:sld xmlns:a="http://schemas.openxmlformats.org/drawingml/2006/main" xmlns:r="http://schemas.openxmlformats.org/officeDocument/2006/relationships" xmlns:p="http://schemas.openxmlformats.org/presentationml/2006/main">
+  <p:cSld>
+    <p:spTree>
+      <p:nvGrpSpPr>
+        <p:cNvPr id="1" name=""/>
+        <p:cNvGrpSpPr/>
+        <p:nvPr/>
+      </p:nvGrpSpPr>
+      <p:grpSpPr>
+        <a:xfrm>
+          <a:off x="0" y="0"/>
+          <a:ext cx="0" cy="0"/>
+          <a:chOff x="0" y="0"/>
+          <a:chExt cx="0" cy="0"/>
+        </a:xfrm>
+      </p:grpSpPr>
+      <p:sp>
+        <p:nvSpPr>
+          <p:cNvPr id="4" name="Rectangle 3">
+            <a:extLst>
+              <a:ext uri="{FF2B5EF4-FFF2-40B4-BE49-F238E27FC236}">
+                <a16:creationId xmlns:a16="http://schemas.microsoft.com/office/drawing/2014/main" id="{70DD664C-66B1-4B49-A663-220996A27E1B}"/>
+              </a:ext>
+            </a:extLst>
+          </p:cNvPr>
+          <p:cNvSpPr/>
+          <p:nvPr/>
+        </p:nvSpPr>
+        <p:spPr>
+          <a:xfrm>
+            <a:off x="0" y="0"/>
+            <a:ext cx="2228045" cy="6858000"/>
+          </a:xfrm>
+          <a:prstGeom prst="rect">
+            <a:avLst/>
+          </a:prstGeom>
+        </p:spPr>
+        <p:style>
+          <a:lnRef idx="2">
+            <a:schemeClr val="accent3">
+              <a:shade val="50000"/>
+            </a:schemeClr>
+          </a:lnRef>
+          <a:fillRef idx="1">
+            <a:schemeClr val="accent3"/>
+          </a:fillRef>
+          <a:effectRef idx="0">
+            <a:schemeClr val="accent3"/>
+          </a:effectRef>
+          <a:fontRef idx="minor">
+            <a:schemeClr val="lt1"/>
+          </a:fontRef>
+        </p:style>
+        <p:txBody>
+          <a:bodyPr rtlCol="0" anchor="ctr"/>
+          <a:lstStyle/>
+          <a:p>
+            <a:pPr algn="ctr"/>
+            <a:endParaRPr lang="en-US"/>
+          </a:p>
+        </p:txBody>
+      </p:sp>
+      <p:sp>
+        <p:nvSpPr>
+          <p:cNvPr id="5" name="Rectangle 4">
+            <a:extLst>
+              <a:ext uri="{FF2B5EF4-FFF2-40B4-BE49-F238E27FC236}">
+                <a16:creationId xmlns:a16="http://schemas.microsoft.com/office/drawing/2014/main" id="{41345DD3-4BAB-419D-A478-FD9022C9F7F4}"/>
+              </a:ext>
+            </a:extLst>
+          </p:cNvPr>
+          <p:cNvSpPr/>
+          <p:nvPr/>
+        </p:nvSpPr>
+        <p:spPr>
+          <a:xfrm>
+            <a:off x="2228044" y="0"/>
+            <a:ext cx="9963955" cy="530180"/>
+          </a:xfrm>
+          <a:prstGeom prst="rect">
+            <a:avLst/>
+          </a:prstGeom>
+        </p:spPr>
+        <p:style>
+          <a:lnRef idx="2">
+            <a:schemeClr val="accent3">
+              <a:shade val="50000"/>
+            </a:schemeClr>
+          </a:lnRef>
+          <a:fillRef idx="1">
+            <a:schemeClr val="accent3"/>
+          </a:fillRef>
+          <a:effectRef idx="0">
+            <a:schemeClr val="accent3"/>
+          </a:effectRef>
+          <a:fontRef idx="minor">
+            <a:schemeClr val="lt1"/>
+          </a:fontRef>
+        </p:style>
+        <p:txBody>
+          <a:bodyPr rtlCol="0" anchor="ctr"/>
+          <a:lstStyle/>
+          <a:p>
+            <a:pPr algn="ctr"/>
+            <a:endParaRPr lang="en-US"/>
+          </a:p>
+        </p:txBody>
+      </p:sp>
+      <p:sp>
+        <p:nvSpPr>
+          <p:cNvPr id="6" name="TextBox 5">
+            <a:extLst>
+              <a:ext uri="{FF2B5EF4-FFF2-40B4-BE49-F238E27FC236}">
+                <a16:creationId xmlns:a16="http://schemas.microsoft.com/office/drawing/2014/main" id="{BE24E20B-2293-44D6-9E68-6A56699091BB}"/>
+              </a:ext>
+            </a:extLst>
+          </p:cNvPr>
+          <p:cNvSpPr txBox="1"/>
+          <p:nvPr/>
+        </p:nvSpPr>
+        <p:spPr>
+          <a:xfrm>
+            <a:off x="528034" y="207014"/>
+            <a:ext cx="1133341" cy="369332"/>
+          </a:xfrm>
+          <a:prstGeom prst="rect">
+            <a:avLst/>
+          </a:prstGeom>
+          <a:noFill/>
+        </p:spPr>
+        <p:txBody>
+          <a:bodyPr wrap="square" rtlCol="0">
+            <a:spAutoFit/>
+          </a:bodyPr>
+          <a:lstStyle/>
+          <a:p>
+            <a:r>
+              <a:rPr lang="en-US" dirty="0" err="1">
+                <a:solidFill>
+                  <a:schemeClr val="bg1"/>
+                </a:solidFill>
+              </a:rPr>
+              <a:t>Mecanico</a:t>
+            </a:r>
+            <a:endParaRPr lang="en-US" dirty="0">
+              <a:solidFill>
+                <a:schemeClr val="bg1"/>
+              </a:solidFill>
+            </a:endParaRPr>
+          </a:p>
+        </p:txBody>
+      </p:sp>
+      <p:sp>
+        <p:nvSpPr>
+          <p:cNvPr id="7" name="TextBox 6">
+            <a:extLst>
+              <a:ext uri="{FF2B5EF4-FFF2-40B4-BE49-F238E27FC236}">
+                <a16:creationId xmlns:a16="http://schemas.microsoft.com/office/drawing/2014/main" id="{38DF0259-2B2E-47F4-8DFD-9F667471C86C}"/>
+              </a:ext>
+            </a:extLst>
+          </p:cNvPr>
+          <p:cNvSpPr txBox="1"/>
+          <p:nvPr/>
+        </p:nvSpPr>
+        <p:spPr>
+          <a:xfrm>
+            <a:off x="11290477" y="91086"/>
+            <a:ext cx="1133341" cy="369332"/>
+          </a:xfrm>
+          <a:prstGeom prst="rect">
+            <a:avLst/>
+          </a:prstGeom>
+          <a:noFill/>
+        </p:spPr>
+        <p:txBody>
+          <a:bodyPr wrap="square" rtlCol="0">
+            <a:spAutoFit/>
+          </a:bodyPr>
+          <a:lstStyle/>
+          <a:p>
+            <a:r>
+              <a:rPr lang="en-US" dirty="0" err="1">
+                <a:solidFill>
+                  <a:schemeClr val="bg1"/>
+                </a:solidFill>
+              </a:rPr>
+              <a:t>Salir</a:t>
+            </a:r>
+            <a:endParaRPr lang="en-US" dirty="0">
+              <a:solidFill>
+                <a:schemeClr val="bg1"/>
+              </a:solidFill>
+            </a:endParaRPr>
+          </a:p>
+        </p:txBody>
+      </p:sp>
+      <p:sp>
+        <p:nvSpPr>
+          <p:cNvPr id="8" name="Rectangle: Rounded Corners 7">
+            <a:extLst>
+              <a:ext uri="{FF2B5EF4-FFF2-40B4-BE49-F238E27FC236}">
+                <a16:creationId xmlns:a16="http://schemas.microsoft.com/office/drawing/2014/main" id="{EE84D01E-06F3-47F6-88EE-EDD5D4F66088}"/>
+              </a:ext>
+            </a:extLst>
+          </p:cNvPr>
+          <p:cNvSpPr/>
+          <p:nvPr/>
+        </p:nvSpPr>
+        <p:spPr>
+          <a:xfrm>
+            <a:off x="0" y="1918952"/>
+            <a:ext cx="2228044" cy="502276"/>
+          </a:xfrm>
+          <a:prstGeom prst="roundRect">
+            <a:avLst/>
+          </a:prstGeom>
+        </p:spPr>
+        <p:style>
+          <a:lnRef idx="2">
+            <a:schemeClr val="accent1">
+              <a:shade val="50000"/>
+            </a:schemeClr>
+          </a:lnRef>
+          <a:fillRef idx="1">
+            <a:schemeClr val="accent1"/>
+          </a:fillRef>
+          <a:effectRef idx="0">
+            <a:schemeClr val="accent1"/>
+          </a:effectRef>
+          <a:fontRef idx="minor">
+            <a:schemeClr val="lt1"/>
+          </a:fontRef>
+        </p:style>
+        <p:txBody>
+          <a:bodyPr rtlCol="0" anchor="ctr"/>
+          <a:lstStyle/>
+          <a:p>
+            <a:pPr algn="ctr"/>
+            <a:r>
+              <a:rPr lang="es-419" dirty="0" err="1"/>
+              <a:t>Ordernes</a:t>
+            </a:r>
+            <a:r>
+              <a:rPr lang="es-419" dirty="0"/>
+              <a:t> de servicio</a:t>
+            </a:r>
+            <a:endParaRPr lang="en-US" dirty="0"/>
+          </a:p>
+        </p:txBody>
+      </p:sp>
+      <p:graphicFrame>
+        <p:nvGraphicFramePr>
+          <p:cNvPr id="12" name="Table 12">
+            <a:extLst>
+              <a:ext uri="{FF2B5EF4-FFF2-40B4-BE49-F238E27FC236}">
+                <a16:creationId xmlns:a16="http://schemas.microsoft.com/office/drawing/2014/main" id="{6FB3A3E0-B743-4B4D-85B7-34A070EFB2B2}"/>
+              </a:ext>
+            </a:extLst>
+          </p:cNvPr>
+          <p:cNvGraphicFramePr>
+            <a:graphicFrameLocks noGrp="1"/>
+          </p:cNvGraphicFramePr>
+          <p:nvPr>
+            <p:extLst>
+              <p:ext uri="{D42A27DB-BD31-4B8C-83A1-F6EECF244321}">
+                <p14:modId xmlns:p14="http://schemas.microsoft.com/office/powerpoint/2010/main" val="829330471"/>
+              </p:ext>
+            </p:extLst>
+          </p:nvPr>
+        </p:nvGraphicFramePr>
+        <p:xfrm>
+          <a:off x="2341093" y="1426884"/>
+          <a:ext cx="9378684" cy="1635641"/>
+        </p:xfrm>
+        <a:graphic>
+          <a:graphicData uri="http://schemas.openxmlformats.org/drawingml/2006/table">
+            <a:tbl>
+              <a:tblPr firstRow="1" bandRow="1">
+                <a:tableStyleId>{5C22544A-7EE6-4342-B048-85BDC9FD1C3A}</a:tableStyleId>
+              </a:tblPr>
+              <a:tblGrid>
+                <a:gridCol w="878625">
+                  <a:extLst>
+                    <a:ext uri="{9D8B030D-6E8A-4147-A177-3AD203B41FA5}">
+                      <a16:colId xmlns:a16="http://schemas.microsoft.com/office/drawing/2014/main" val="3583956411"/>
+                    </a:ext>
+                  </a:extLst>
+                </a:gridCol>
+                <a:gridCol w="1210614">
+                  <a:extLst>
+                    <a:ext uri="{9D8B030D-6E8A-4147-A177-3AD203B41FA5}">
+                      <a16:colId xmlns:a16="http://schemas.microsoft.com/office/drawing/2014/main" val="1267758515"/>
+                    </a:ext>
+                  </a:extLst>
+                </a:gridCol>
+                <a:gridCol w="875764">
+                  <a:extLst>
+                    <a:ext uri="{9D8B030D-6E8A-4147-A177-3AD203B41FA5}">
+                      <a16:colId xmlns:a16="http://schemas.microsoft.com/office/drawing/2014/main" val="1984852372"/>
+                    </a:ext>
+                  </a:extLst>
+                </a:gridCol>
+                <a:gridCol w="965915">
+                  <a:extLst>
+                    <a:ext uri="{9D8B030D-6E8A-4147-A177-3AD203B41FA5}">
+                      <a16:colId xmlns:a16="http://schemas.microsoft.com/office/drawing/2014/main" val="1310663516"/>
+                    </a:ext>
+                  </a:extLst>
+                </a:gridCol>
+                <a:gridCol w="2009104">
+                  <a:extLst>
+                    <a:ext uri="{9D8B030D-6E8A-4147-A177-3AD203B41FA5}">
+                      <a16:colId xmlns:a16="http://schemas.microsoft.com/office/drawing/2014/main" val="1809094295"/>
+                    </a:ext>
+                  </a:extLst>
+                </a:gridCol>
+                <a:gridCol w="3438662">
+                  <a:extLst>
+                    <a:ext uri="{9D8B030D-6E8A-4147-A177-3AD203B41FA5}">
+                      <a16:colId xmlns:a16="http://schemas.microsoft.com/office/drawing/2014/main" val="2978977549"/>
+                    </a:ext>
+                  </a:extLst>
+                </a:gridCol>
+              </a:tblGrid>
+              <a:tr h="370840">
+                <a:tc>
+                  <a:txBody>
+                    <a:bodyPr/>
+                    <a:lstStyle/>
+                    <a:p>
+                      <a:r>
+                        <a:rPr lang="es-419" dirty="0"/>
+                        <a:t>Cliente</a:t>
+                      </a:r>
+                      <a:endParaRPr lang="en-US" dirty="0"/>
+                    </a:p>
+                  </a:txBody>
+                  <a:tcPr/>
+                </a:tc>
+                <a:tc>
+                  <a:txBody>
+                    <a:bodyPr/>
+                    <a:lstStyle/>
+                    <a:p>
+                      <a:r>
+                        <a:rPr lang="es-419" dirty="0" err="1"/>
+                        <a:t>Telefono</a:t>
+                      </a:r>
+                      <a:endParaRPr lang="en-US" dirty="0"/>
+                    </a:p>
+                  </a:txBody>
+                  <a:tcPr/>
+                </a:tc>
+                <a:tc>
+                  <a:txBody>
+                    <a:bodyPr/>
+                    <a:lstStyle/>
+                    <a:p>
+                      <a:r>
+                        <a:rPr lang="es-419" dirty="0"/>
+                        <a:t>Marca</a:t>
+                      </a:r>
+                      <a:endParaRPr lang="en-US" dirty="0"/>
+                    </a:p>
+                  </a:txBody>
+                  <a:tcPr/>
+                </a:tc>
+                <a:tc>
+                  <a:txBody>
+                    <a:bodyPr/>
+                    <a:lstStyle/>
+                    <a:p>
+                      <a:r>
+                        <a:rPr lang="es-419" dirty="0"/>
+                        <a:t>Modelo</a:t>
+                      </a:r>
+                      <a:endParaRPr lang="en-US" dirty="0"/>
+                    </a:p>
+                  </a:txBody>
+                  <a:tcPr/>
+                </a:tc>
+                <a:tc>
+                  <a:txBody>
+                    <a:bodyPr/>
+                    <a:lstStyle/>
+                    <a:p>
+                      <a:r>
+                        <a:rPr lang="es-419" dirty="0"/>
+                        <a:t>Estado</a:t>
+                      </a:r>
+                      <a:endParaRPr lang="en-US" dirty="0"/>
+                    </a:p>
+                  </a:txBody>
+                  <a:tcPr/>
+                </a:tc>
+                <a:tc>
+                  <a:txBody>
+                    <a:bodyPr/>
+                    <a:lstStyle/>
+                    <a:p>
+                      <a:r>
+                        <a:rPr lang="es-419" dirty="0"/>
+                        <a:t>Acciones</a:t>
+                      </a:r>
+                      <a:endParaRPr lang="en-US" dirty="0"/>
+                    </a:p>
+                  </a:txBody>
+                  <a:tcPr/>
+                </a:tc>
+                <a:extLst>
+                  <a:ext uri="{0D108BD9-81ED-4DB2-BD59-A6C34878D82A}">
+                    <a16:rowId xmlns:a16="http://schemas.microsoft.com/office/drawing/2014/main" val="3199746068"/>
+                  </a:ext>
+                </a:extLst>
+              </a:tr>
+              <a:tr h="893961">
+                <a:tc>
+                  <a:txBody>
+                    <a:bodyPr/>
+                    <a:lstStyle/>
+                    <a:p>
+                      <a:r>
+                        <a:rPr lang="es-419" dirty="0" err="1"/>
+                        <a:t>Francelis</a:t>
+                      </a:r>
+                      <a:endParaRPr lang="en-US" dirty="0"/>
+                    </a:p>
+                  </a:txBody>
+                  <a:tcPr/>
+                </a:tc>
+                <a:tc>
+                  <a:txBody>
+                    <a:bodyPr/>
+                    <a:lstStyle/>
+                    <a:p>
+                      <a:r>
+                        <a:rPr lang="es-419" dirty="0"/>
+                        <a:t>8º898</a:t>
+                      </a:r>
+                      <a:endParaRPr lang="en-US" dirty="0"/>
+                    </a:p>
+                  </a:txBody>
+                  <a:tcPr/>
+                </a:tc>
+                <a:tc>
+                  <a:txBody>
+                    <a:bodyPr/>
+                    <a:lstStyle/>
+                    <a:p>
+                      <a:r>
+                        <a:rPr lang="es-419" dirty="0" err="1"/>
+                        <a:t>Hasdhflkajs</a:t>
+                      </a:r>
+                      <a:endParaRPr lang="en-US" dirty="0"/>
+                    </a:p>
+                  </a:txBody>
+                  <a:tcPr/>
+                </a:tc>
+                <a:tc>
+                  <a:txBody>
+                    <a:bodyPr/>
+                    <a:lstStyle/>
+                    <a:p>
+                      <a:r>
+                        <a:rPr lang="es-419" dirty="0" err="1"/>
+                        <a:t>Faklsjhdkfajh</a:t>
+                      </a:r>
+                      <a:endParaRPr lang="en-US" dirty="0"/>
+                    </a:p>
+                  </a:txBody>
+                  <a:tcPr/>
+                </a:tc>
+                <a:tc>
+                  <a:txBody>
+                    <a:bodyPr/>
+                    <a:lstStyle/>
+                    <a:p>
+                      <a:r>
+                        <a:rPr lang="es-419" dirty="0"/>
+                        <a:t>Para </a:t>
+                      </a:r>
+                      <a:r>
+                        <a:rPr lang="es-419" dirty="0" err="1"/>
+                        <a:t>Reaparacion</a:t>
+                      </a:r>
+                      <a:endParaRPr lang="en-US" dirty="0"/>
+                    </a:p>
+                  </a:txBody>
+                  <a:tcPr/>
+                </a:tc>
+                <a:tc>
+                  <a:txBody>
+                    <a:bodyPr/>
+                    <a:lstStyle/>
+                    <a:p>
+                      <a:endParaRPr lang="en-US" dirty="0"/>
+                    </a:p>
+                  </a:txBody>
+                  <a:tcPr/>
+                </a:tc>
+                <a:extLst>
+                  <a:ext uri="{0D108BD9-81ED-4DB2-BD59-A6C34878D82A}">
+                    <a16:rowId xmlns:a16="http://schemas.microsoft.com/office/drawing/2014/main" val="3146056686"/>
+                  </a:ext>
+                </a:extLst>
+              </a:tr>
+              <a:tr h="370840">
+                <a:tc>
+                  <a:txBody>
+                    <a:bodyPr/>
+                    <a:lstStyle/>
+                    <a:p>
+                      <a:endParaRPr lang="en-US"/>
+                    </a:p>
+                  </a:txBody>
+                  <a:tcPr/>
+                </a:tc>
+                <a:tc>
+                  <a:txBody>
+                    <a:bodyPr/>
+                    <a:lstStyle/>
+                    <a:p>
+                      <a:endParaRPr lang="en-US" dirty="0"/>
+                    </a:p>
+                  </a:txBody>
+                  <a:tcPr/>
+                </a:tc>
+                <a:tc>
+                  <a:txBody>
+                    <a:bodyPr/>
+                    <a:lstStyle/>
+                    <a:p>
+                      <a:endParaRPr lang="en-US"/>
+                    </a:p>
+                  </a:txBody>
+                  <a:tcPr/>
+                </a:tc>
+                <a:tc>
+                  <a:txBody>
+                    <a:bodyPr/>
+                    <a:lstStyle/>
+                    <a:p>
+                      <a:endParaRPr lang="en-US"/>
+                    </a:p>
+                  </a:txBody>
+                  <a:tcPr/>
+                </a:tc>
+                <a:tc>
+                  <a:txBody>
+                    <a:bodyPr/>
+                    <a:lstStyle/>
+                    <a:p>
+                      <a:endParaRPr lang="en-US"/>
+                    </a:p>
+                  </a:txBody>
+                  <a:tcPr/>
+                </a:tc>
+                <a:tc>
+                  <a:txBody>
+                    <a:bodyPr/>
+                    <a:lstStyle/>
+                    <a:p>
+                      <a:endParaRPr lang="en-US" dirty="0"/>
+                    </a:p>
+                  </a:txBody>
+                  <a:tcPr/>
+                </a:tc>
+                <a:extLst>
+                  <a:ext uri="{0D108BD9-81ED-4DB2-BD59-A6C34878D82A}">
+                    <a16:rowId xmlns:a16="http://schemas.microsoft.com/office/drawing/2014/main" val="1259402299"/>
+                  </a:ext>
+                </a:extLst>
+              </a:tr>
+            </a:tbl>
+          </a:graphicData>
+        </a:graphic>
+      </p:graphicFrame>
+      <p:sp>
+        <p:nvSpPr>
+          <p:cNvPr id="13" name="TextBox 12">
+            <a:extLst>
+              <a:ext uri="{FF2B5EF4-FFF2-40B4-BE49-F238E27FC236}">
+                <a16:creationId xmlns:a16="http://schemas.microsoft.com/office/drawing/2014/main" id="{97EA2B57-C41A-4ECE-A468-26B0B6F1C79B}"/>
+              </a:ext>
+            </a:extLst>
+          </p:cNvPr>
+          <p:cNvSpPr txBox="1"/>
+          <p:nvPr/>
+        </p:nvSpPr>
+        <p:spPr>
+          <a:xfrm>
+            <a:off x="2508518" y="125290"/>
+            <a:ext cx="2411212" cy="369332"/>
+          </a:xfrm>
+          <a:prstGeom prst="rect">
+            <a:avLst/>
+          </a:prstGeom>
+          <a:noFill/>
+        </p:spPr>
+        <p:txBody>
+          <a:bodyPr wrap="square" rtlCol="0">
+            <a:spAutoFit/>
+          </a:bodyPr>
+          <a:lstStyle/>
+          <a:p>
+            <a:r>
+              <a:rPr lang="en-US" dirty="0" err="1">
+                <a:solidFill>
+                  <a:schemeClr val="bg1"/>
+                </a:solidFill>
+              </a:rPr>
+              <a:t>Ordenes</a:t>
+            </a:r>
+            <a:r>
+              <a:rPr lang="en-US" dirty="0">
+                <a:solidFill>
+                  <a:schemeClr val="bg1"/>
+                </a:solidFill>
+              </a:rPr>
+              <a:t> de </a:t>
+            </a:r>
+            <a:r>
+              <a:rPr lang="en-US" dirty="0" err="1">
+                <a:solidFill>
+                  <a:schemeClr val="bg1"/>
+                </a:solidFill>
+              </a:rPr>
+              <a:t>servicio</a:t>
+            </a:r>
+            <a:endParaRPr lang="en-US" dirty="0">
+              <a:solidFill>
+                <a:schemeClr val="bg1"/>
+              </a:solidFill>
+            </a:endParaRPr>
+          </a:p>
+        </p:txBody>
+      </p:sp>
+      <p:grpSp>
+        <p:nvGrpSpPr>
+          <p:cNvPr id="2" name="Group 1">
+            <a:extLst>
+              <a:ext uri="{FF2B5EF4-FFF2-40B4-BE49-F238E27FC236}">
+                <a16:creationId xmlns:a16="http://schemas.microsoft.com/office/drawing/2014/main" id="{2491D79A-C852-492A-8579-CDB0665F6CF2}"/>
+              </a:ext>
+            </a:extLst>
+          </p:cNvPr>
+          <p:cNvGrpSpPr/>
+          <p:nvPr/>
+        </p:nvGrpSpPr>
+        <p:grpSpPr>
+          <a:xfrm>
+            <a:off x="2508518" y="845188"/>
+            <a:ext cx="7677239" cy="5537916"/>
+            <a:chOff x="4003897" y="925132"/>
+            <a:chExt cx="7677239" cy="5537916"/>
+          </a:xfrm>
+        </p:grpSpPr>
+        <p:sp>
+          <p:nvSpPr>
+            <p:cNvPr id="16" name="Rectangle 15">
+              <a:extLst>
+                <a:ext uri="{FF2B5EF4-FFF2-40B4-BE49-F238E27FC236}">
+                  <a16:creationId xmlns:a16="http://schemas.microsoft.com/office/drawing/2014/main" id="{5F009000-9F75-4E09-9617-D9FB73AD85DC}"/>
+                </a:ext>
+              </a:extLst>
+            </p:cNvPr>
+            <p:cNvSpPr/>
+            <p:nvPr/>
+          </p:nvSpPr>
+          <p:spPr>
+            <a:xfrm>
+              <a:off x="4003897" y="925132"/>
+              <a:ext cx="7677239" cy="5537916"/>
+            </a:xfrm>
+            <a:prstGeom prst="rect">
+              <a:avLst/>
+            </a:prstGeom>
+          </p:spPr>
+          <p:style>
+            <a:lnRef idx="2">
+              <a:schemeClr val="accent1">
+                <a:shade val="50000"/>
+              </a:schemeClr>
+            </a:lnRef>
+            <a:fillRef idx="1">
+              <a:schemeClr val="accent1"/>
+            </a:fillRef>
+            <a:effectRef idx="0">
+              <a:schemeClr val="accent1"/>
+            </a:effectRef>
+            <a:fontRef idx="minor">
+              <a:schemeClr val="lt1"/>
+            </a:fontRef>
+          </p:style>
+          <p:txBody>
+            <a:bodyPr rtlCol="0" anchor="ctr"/>
+            <a:lstStyle/>
+            <a:p>
+              <a:pPr algn="ctr"/>
+              <a:endParaRPr lang="en-US"/>
+            </a:p>
+          </p:txBody>
+        </p:sp>
+        <p:sp>
+          <p:nvSpPr>
+            <p:cNvPr id="17" name="Rectangle 16">
+              <a:extLst>
+                <a:ext uri="{FF2B5EF4-FFF2-40B4-BE49-F238E27FC236}">
+                  <a16:creationId xmlns:a16="http://schemas.microsoft.com/office/drawing/2014/main" id="{F816C4DB-0E36-4BE2-B402-FE9AB2683076}"/>
+                </a:ext>
+              </a:extLst>
+            </p:cNvPr>
+            <p:cNvSpPr/>
+            <p:nvPr/>
+          </p:nvSpPr>
+          <p:spPr>
+            <a:xfrm>
+              <a:off x="4003897" y="938011"/>
+              <a:ext cx="7677239" cy="604783"/>
+            </a:xfrm>
+            <a:prstGeom prst="rect">
+              <a:avLst/>
+            </a:prstGeom>
+          </p:spPr>
+          <p:style>
+            <a:lnRef idx="2">
+              <a:schemeClr val="accent2">
+                <a:shade val="50000"/>
+              </a:schemeClr>
+            </a:lnRef>
+            <a:fillRef idx="1">
+              <a:schemeClr val="accent2"/>
+            </a:fillRef>
+            <a:effectRef idx="0">
+              <a:schemeClr val="accent2"/>
+            </a:effectRef>
+            <a:fontRef idx="minor">
+              <a:schemeClr val="lt1"/>
+            </a:fontRef>
+          </p:style>
+          <p:txBody>
+            <a:bodyPr rtlCol="0" anchor="ctr"/>
+            <a:lstStyle/>
+            <a:p>
+              <a:pPr algn="ctr"/>
+              <a:r>
+                <a:rPr lang="es-419" dirty="0"/>
+                <a:t>Registrar </a:t>
+              </a:r>
+              <a:r>
+                <a:rPr lang="es-419" dirty="0" err="1"/>
+                <a:t>Reparacion</a:t>
+              </a:r>
+              <a:endParaRPr lang="en-US" dirty="0"/>
+            </a:p>
+          </p:txBody>
+        </p:sp>
+        <p:sp>
+          <p:nvSpPr>
+            <p:cNvPr id="18" name="Rectangle 17">
+              <a:extLst>
+                <a:ext uri="{FF2B5EF4-FFF2-40B4-BE49-F238E27FC236}">
+                  <a16:creationId xmlns:a16="http://schemas.microsoft.com/office/drawing/2014/main" id="{BF08AE37-C67D-413E-9B64-AF20404E790F}"/>
+                </a:ext>
+              </a:extLst>
+            </p:cNvPr>
+            <p:cNvSpPr/>
+            <p:nvPr/>
+          </p:nvSpPr>
+          <p:spPr>
+            <a:xfrm>
+              <a:off x="4237147" y="2174383"/>
+              <a:ext cx="7156362" cy="1998372"/>
+            </a:xfrm>
+            <a:prstGeom prst="rect">
+              <a:avLst/>
+            </a:prstGeom>
+            <a:solidFill>
+              <a:schemeClr val="bg1">
+                <a:lumMod val="95000"/>
+              </a:schemeClr>
+            </a:solidFill>
+          </p:spPr>
+          <p:style>
+            <a:lnRef idx="2">
+              <a:schemeClr val="accent1">
+                <a:shade val="50000"/>
+              </a:schemeClr>
+            </a:lnRef>
+            <a:fillRef idx="1">
+              <a:schemeClr val="accent1"/>
+            </a:fillRef>
+            <a:effectRef idx="0">
+              <a:schemeClr val="accent1"/>
+            </a:effectRef>
+            <a:fontRef idx="minor">
+              <a:schemeClr val="lt1"/>
+            </a:fontRef>
+          </p:style>
+          <p:txBody>
+            <a:bodyPr rtlCol="0" anchor="ctr"/>
+            <a:lstStyle/>
+            <a:p>
+              <a:pPr algn="ctr"/>
+              <a:endParaRPr lang="en-US"/>
+            </a:p>
+          </p:txBody>
+        </p:sp>
+        <p:sp>
+          <p:nvSpPr>
+            <p:cNvPr id="24" name="Rectangle: Rounded Corners 23">
+              <a:extLst>
+                <a:ext uri="{FF2B5EF4-FFF2-40B4-BE49-F238E27FC236}">
+                  <a16:creationId xmlns:a16="http://schemas.microsoft.com/office/drawing/2014/main" id="{040D0198-24F1-4BF3-99F2-C59AD0C5EAA5}"/>
+                </a:ext>
+              </a:extLst>
+            </p:cNvPr>
+            <p:cNvSpPr/>
+            <p:nvPr/>
+          </p:nvSpPr>
+          <p:spPr>
+            <a:xfrm>
+              <a:off x="9510331" y="5689887"/>
+              <a:ext cx="1883178" cy="408785"/>
+            </a:xfrm>
+            <a:prstGeom prst="roundRect">
+              <a:avLst/>
+            </a:prstGeom>
+            <a:solidFill>
+              <a:srgbClr val="FF3B3B"/>
+            </a:solidFill>
+          </p:spPr>
+          <p:style>
+            <a:lnRef idx="2">
+              <a:schemeClr val="accent6">
+                <a:shade val="50000"/>
+              </a:schemeClr>
+            </a:lnRef>
+            <a:fillRef idx="1">
+              <a:schemeClr val="accent6"/>
+            </a:fillRef>
+            <a:effectRef idx="0">
+              <a:schemeClr val="accent6"/>
+            </a:effectRef>
+            <a:fontRef idx="minor">
+              <a:schemeClr val="lt1"/>
+            </a:fontRef>
+          </p:style>
+          <p:txBody>
+            <a:bodyPr rtlCol="0" anchor="ctr"/>
+            <a:lstStyle/>
+            <a:p>
+              <a:pPr algn="ctr"/>
+              <a:r>
+                <a:rPr lang="es-419" dirty="0"/>
+                <a:t>Cancelar</a:t>
+              </a:r>
+              <a:endParaRPr lang="en-US" dirty="0"/>
+            </a:p>
+          </p:txBody>
+        </p:sp>
+        <p:sp>
+          <p:nvSpPr>
+            <p:cNvPr id="25" name="Rectangle: Rounded Corners 24">
+              <a:extLst>
+                <a:ext uri="{FF2B5EF4-FFF2-40B4-BE49-F238E27FC236}">
+                  <a16:creationId xmlns:a16="http://schemas.microsoft.com/office/drawing/2014/main" id="{4403D179-FF91-4B54-ADD1-1602A7DDEEE9}"/>
+                </a:ext>
+              </a:extLst>
+            </p:cNvPr>
+            <p:cNvSpPr/>
+            <p:nvPr/>
+          </p:nvSpPr>
+          <p:spPr>
+            <a:xfrm>
+              <a:off x="7514105" y="5689887"/>
+              <a:ext cx="1883178" cy="408785"/>
+            </a:xfrm>
+            <a:prstGeom prst="roundRect">
+              <a:avLst/>
+            </a:prstGeom>
+          </p:spPr>
+          <p:style>
+            <a:lnRef idx="2">
+              <a:schemeClr val="accent6">
+                <a:shade val="50000"/>
+              </a:schemeClr>
+            </a:lnRef>
+            <a:fillRef idx="1">
+              <a:schemeClr val="accent6"/>
+            </a:fillRef>
+            <a:effectRef idx="0">
+              <a:schemeClr val="accent6"/>
+            </a:effectRef>
+            <a:fontRef idx="minor">
+              <a:schemeClr val="lt1"/>
+            </a:fontRef>
+          </p:style>
+          <p:txBody>
+            <a:bodyPr rtlCol="0" anchor="ctr"/>
+            <a:lstStyle/>
+            <a:p>
+              <a:pPr algn="ctr"/>
+              <a:r>
+                <a:rPr lang="es-419" dirty="0"/>
+                <a:t>Guardar</a:t>
+              </a:r>
+              <a:endParaRPr lang="en-US" dirty="0"/>
+            </a:p>
+          </p:txBody>
+        </p:sp>
+      </p:grpSp>
+      <p:sp>
+        <p:nvSpPr>
+          <p:cNvPr id="3" name="Rectangle: Rounded Corners 2">
+            <a:extLst>
+              <a:ext uri="{FF2B5EF4-FFF2-40B4-BE49-F238E27FC236}">
+                <a16:creationId xmlns:a16="http://schemas.microsoft.com/office/drawing/2014/main" id="{9D77B57E-CBB1-41FE-988C-1929C14DCBE5}"/>
+              </a:ext>
+            </a:extLst>
+          </p:cNvPr>
+          <p:cNvSpPr/>
+          <p:nvPr/>
+        </p:nvSpPr>
+        <p:spPr>
+          <a:xfrm>
+            <a:off x="8386292" y="1918952"/>
+            <a:ext cx="1884609" cy="470822"/>
+          </a:xfrm>
+          <a:prstGeom prst="roundRect">
+            <a:avLst/>
+          </a:prstGeom>
+        </p:spPr>
+        <p:style>
+          <a:lnRef idx="2">
+            <a:schemeClr val="accent1">
+              <a:shade val="50000"/>
+            </a:schemeClr>
+          </a:lnRef>
+          <a:fillRef idx="1">
+            <a:schemeClr val="accent1"/>
+          </a:fillRef>
+          <a:effectRef idx="0">
+            <a:schemeClr val="accent1"/>
+          </a:effectRef>
+          <a:fontRef idx="minor">
+            <a:schemeClr val="lt1"/>
+          </a:fontRef>
+        </p:style>
+        <p:txBody>
+          <a:bodyPr rtlCol="0" anchor="ctr"/>
+          <a:lstStyle/>
+          <a:p>
+            <a:pPr algn="ctr"/>
+            <a:r>
+              <a:rPr lang="es-419" dirty="0"/>
+              <a:t>Registrar Diagnostico</a:t>
+            </a:r>
+            <a:endParaRPr lang="en-US" dirty="0"/>
+          </a:p>
+        </p:txBody>
+      </p:sp>
+      <p:sp>
+        <p:nvSpPr>
+          <p:cNvPr id="28" name="Rectangle: Rounded Corners 27">
+            <a:extLst>
+              <a:ext uri="{FF2B5EF4-FFF2-40B4-BE49-F238E27FC236}">
+                <a16:creationId xmlns:a16="http://schemas.microsoft.com/office/drawing/2014/main" id="{32F65A3F-F0D0-4F1F-AC9F-6F7D6FB992F1}"/>
+              </a:ext>
+            </a:extLst>
+          </p:cNvPr>
+          <p:cNvSpPr/>
+          <p:nvPr/>
+        </p:nvSpPr>
+        <p:spPr>
+          <a:xfrm>
+            <a:off x="10348172" y="1918952"/>
+            <a:ext cx="1884609" cy="470822"/>
+          </a:xfrm>
+          <a:prstGeom prst="roundRect">
+            <a:avLst/>
+          </a:prstGeom>
+        </p:spPr>
+        <p:style>
+          <a:lnRef idx="2">
+            <a:schemeClr val="accent1">
+              <a:shade val="50000"/>
+            </a:schemeClr>
+          </a:lnRef>
+          <a:fillRef idx="1">
+            <a:schemeClr val="accent1"/>
+          </a:fillRef>
+          <a:effectRef idx="0">
+            <a:schemeClr val="accent1"/>
+          </a:effectRef>
+          <a:fontRef idx="minor">
+            <a:schemeClr val="lt1"/>
+          </a:fontRef>
+        </p:style>
+        <p:txBody>
+          <a:bodyPr rtlCol="0" anchor="ctr"/>
+          <a:lstStyle/>
+          <a:p>
+            <a:pPr algn="ctr"/>
+            <a:r>
+              <a:rPr lang="es-419" dirty="0"/>
+              <a:t>Registrar </a:t>
+            </a:r>
+            <a:r>
+              <a:rPr lang="es-419" dirty="0" err="1"/>
+              <a:t>Reparacion</a:t>
+            </a:r>
+            <a:endParaRPr lang="en-US" dirty="0"/>
+          </a:p>
+        </p:txBody>
+      </p:sp>
+    </p:spTree>
+    <p:extLst>
+      <p:ext uri="{BB962C8B-B14F-4D97-AF65-F5344CB8AC3E}">
+        <p14:creationId xmlns:p14="http://schemas.microsoft.com/office/powerpoint/2010/main" val="970234324"/>
       </p:ext>
     </p:extLst>
   </p:cSld>

--- a/Levantamiento Taller UAPA.pptx
+++ b/Levantamiento Taller UAPA.pptx
@@ -10,6 +10,8 @@
     <p:sldId id="259" r:id="rId4"/>
     <p:sldId id="260" r:id="rId5"/>
     <p:sldId id="261" r:id="rId6"/>
+    <p:sldId id="262" r:id="rId7"/>
+    <p:sldId id="263" r:id="rId8"/>
   </p:sldIdLst>
   <p:sldSz cx="12192000" cy="6858000"/>
   <p:notesSz cx="6858000" cy="9144000"/>
@@ -263,7 +265,7 @@
           <a:p>
             <a:fld id="{00DCE7FF-A13B-4E31-8A7E-3211D2564F78}" type="datetimeFigureOut">
               <a:rPr lang="en-US" smtClean="0"/>
-              <a:t>10-Mar-22</a:t>
+              <a:t>11-Mar-22</a:t>
             </a:fld>
             <a:endParaRPr lang="en-US"/>
           </a:p>
@@ -461,7 +463,7 @@
           <a:p>
             <a:fld id="{00DCE7FF-A13B-4E31-8A7E-3211D2564F78}" type="datetimeFigureOut">
               <a:rPr lang="en-US" smtClean="0"/>
-              <a:t>10-Mar-22</a:t>
+              <a:t>11-Mar-22</a:t>
             </a:fld>
             <a:endParaRPr lang="en-US"/>
           </a:p>
@@ -669,7 +671,7 @@
           <a:p>
             <a:fld id="{00DCE7FF-A13B-4E31-8A7E-3211D2564F78}" type="datetimeFigureOut">
               <a:rPr lang="en-US" smtClean="0"/>
-              <a:t>10-Mar-22</a:t>
+              <a:t>11-Mar-22</a:t>
             </a:fld>
             <a:endParaRPr lang="en-US"/>
           </a:p>
@@ -867,7 +869,7 @@
           <a:p>
             <a:fld id="{00DCE7FF-A13B-4E31-8A7E-3211D2564F78}" type="datetimeFigureOut">
               <a:rPr lang="en-US" smtClean="0"/>
-              <a:t>10-Mar-22</a:t>
+              <a:t>11-Mar-22</a:t>
             </a:fld>
             <a:endParaRPr lang="en-US"/>
           </a:p>
@@ -1142,7 +1144,7 @@
           <a:p>
             <a:fld id="{00DCE7FF-A13B-4E31-8A7E-3211D2564F78}" type="datetimeFigureOut">
               <a:rPr lang="en-US" smtClean="0"/>
-              <a:t>10-Mar-22</a:t>
+              <a:t>11-Mar-22</a:t>
             </a:fld>
             <a:endParaRPr lang="en-US"/>
           </a:p>
@@ -1407,7 +1409,7 @@
           <a:p>
             <a:fld id="{00DCE7FF-A13B-4E31-8A7E-3211D2564F78}" type="datetimeFigureOut">
               <a:rPr lang="en-US" smtClean="0"/>
-              <a:t>10-Mar-22</a:t>
+              <a:t>11-Mar-22</a:t>
             </a:fld>
             <a:endParaRPr lang="en-US"/>
           </a:p>
@@ -1819,7 +1821,7 @@
           <a:p>
             <a:fld id="{00DCE7FF-A13B-4E31-8A7E-3211D2564F78}" type="datetimeFigureOut">
               <a:rPr lang="en-US" smtClean="0"/>
-              <a:t>10-Mar-22</a:t>
+              <a:t>11-Mar-22</a:t>
             </a:fld>
             <a:endParaRPr lang="en-US"/>
           </a:p>
@@ -1960,7 +1962,7 @@
           <a:p>
             <a:fld id="{00DCE7FF-A13B-4E31-8A7E-3211D2564F78}" type="datetimeFigureOut">
               <a:rPr lang="en-US" smtClean="0"/>
-              <a:t>10-Mar-22</a:t>
+              <a:t>11-Mar-22</a:t>
             </a:fld>
             <a:endParaRPr lang="en-US"/>
           </a:p>
@@ -2073,7 +2075,7 @@
           <a:p>
             <a:fld id="{00DCE7FF-A13B-4E31-8A7E-3211D2564F78}" type="datetimeFigureOut">
               <a:rPr lang="en-US" smtClean="0"/>
-              <a:t>10-Mar-22</a:t>
+              <a:t>11-Mar-22</a:t>
             </a:fld>
             <a:endParaRPr lang="en-US"/>
           </a:p>
@@ -2384,7 +2386,7 @@
           <a:p>
             <a:fld id="{00DCE7FF-A13B-4E31-8A7E-3211D2564F78}" type="datetimeFigureOut">
               <a:rPr lang="en-US" smtClean="0"/>
-              <a:t>10-Mar-22</a:t>
+              <a:t>11-Mar-22</a:t>
             </a:fld>
             <a:endParaRPr lang="en-US"/>
           </a:p>
@@ -2672,7 +2674,7 @@
           <a:p>
             <a:fld id="{00DCE7FF-A13B-4E31-8A7E-3211D2564F78}" type="datetimeFigureOut">
               <a:rPr lang="en-US" smtClean="0"/>
-              <a:t>10-Mar-22</a:t>
+              <a:t>11-Mar-22</a:t>
             </a:fld>
             <a:endParaRPr lang="en-US"/>
           </a:p>
@@ -2913,7 +2915,7 @@
           <a:p>
             <a:fld id="{00DCE7FF-A13B-4E31-8A7E-3211D2564F78}" type="datetimeFigureOut">
               <a:rPr lang="en-US" smtClean="0"/>
-              <a:t>10-Mar-22</a:t>
+              <a:t>11-Mar-22</a:t>
             </a:fld>
             <a:endParaRPr lang="en-US"/>
           </a:p>
@@ -3648,7 +3650,7 @@
           <a:graphicData uri="http://schemas.openxmlformats.org/presentationml/2006/ole">
             <mc:AlternateContent xmlns:mc="http://schemas.openxmlformats.org/markup-compatibility/2006">
               <mc:Choice xmlns:v="urn:schemas-microsoft-com:vml" Requires="v">
-                <p:oleObj spid="_x0000_s1028" name="Worksheet" showAsIcon="1" r:id="rId4" imgW="914400" imgH="771480" progId="Excel.Sheet.12">
+                <p:oleObj spid="_x0000_s1030" name="Worksheet" showAsIcon="1" r:id="rId4" imgW="914400" imgH="771480" progId="Excel.Sheet.12">
                   <p:embed/>
                 </p:oleObj>
               </mc:Choice>
@@ -6931,6 +6933,559 @@
 </p:sld>
 </file>
 
+<file path=ppt/slides/slide6.xml><?xml version="1.0" encoding="utf-8"?>
+<p:sld xmlns:a="http://schemas.openxmlformats.org/drawingml/2006/main" xmlns:r="http://schemas.openxmlformats.org/officeDocument/2006/relationships" xmlns:p="http://schemas.openxmlformats.org/presentationml/2006/main">
+  <p:cSld>
+    <p:spTree>
+      <p:nvGrpSpPr>
+        <p:cNvPr id="1" name=""/>
+        <p:cNvGrpSpPr/>
+        <p:nvPr/>
+      </p:nvGrpSpPr>
+      <p:grpSpPr>
+        <a:xfrm>
+          <a:off x="0" y="0"/>
+          <a:ext cx="0" cy="0"/>
+          <a:chOff x="0" y="0"/>
+          <a:chExt cx="0" cy="0"/>
+        </a:xfrm>
+      </p:grpSpPr>
+      <p:grpSp>
+        <p:nvGrpSpPr>
+          <p:cNvPr id="13" name="Group 12">
+            <a:extLst>
+              <a:ext uri="{FF2B5EF4-FFF2-40B4-BE49-F238E27FC236}">
+                <a16:creationId xmlns:a16="http://schemas.microsoft.com/office/drawing/2014/main" id="{02DE5883-9293-4F28-AF22-188B89FD8581}"/>
+              </a:ext>
+            </a:extLst>
+          </p:cNvPr>
+          <p:cNvGrpSpPr/>
+          <p:nvPr/>
+        </p:nvGrpSpPr>
+        <p:grpSpPr>
+          <a:xfrm>
+            <a:off x="1273174" y="933450"/>
+            <a:ext cx="6626226" cy="3070420"/>
+            <a:chOff x="1273174" y="933450"/>
+            <a:chExt cx="6626226" cy="3070420"/>
+          </a:xfrm>
+        </p:grpSpPr>
+        <p:pic>
+          <p:nvPicPr>
+            <p:cNvPr id="2050" name="Picture 2">
+              <a:extLst>
+                <a:ext uri="{FF2B5EF4-FFF2-40B4-BE49-F238E27FC236}">
+                  <a16:creationId xmlns:a16="http://schemas.microsoft.com/office/drawing/2014/main" id="{B932D94A-C72E-4FC2-BBDE-F0B9A474C0C9}"/>
+                </a:ext>
+              </a:extLst>
+            </p:cNvPr>
+            <p:cNvPicPr>
+              <a:picLocks noChangeAspect="1" noChangeArrowheads="1"/>
+            </p:cNvPicPr>
+            <p:nvPr/>
+          </p:nvPicPr>
+          <p:blipFill>
+            <a:blip r:embed="rId2">
+              <a:extLst>
+                <a:ext uri="{28A0092B-C50C-407E-A947-70E740481C1C}">
+                  <a14:useLocalDpi xmlns:a14="http://schemas.microsoft.com/office/drawing/2010/main" val="0"/>
+                </a:ext>
+              </a:extLst>
+            </a:blip>
+            <a:srcRect/>
+            <a:stretch>
+              <a:fillRect/>
+            </a:stretch>
+          </p:blipFill>
+          <p:spPr bwMode="auto">
+            <a:xfrm>
+              <a:off x="1273174" y="933450"/>
+              <a:ext cx="5262355" cy="2495550"/>
+            </a:xfrm>
+            <a:prstGeom prst="rect">
+              <a:avLst/>
+            </a:prstGeom>
+            <a:noFill/>
+            <a:extLst>
+              <a:ext uri="{909E8E84-426E-40DD-AFC4-6F175D3DCCD1}">
+                <a14:hiddenFill xmlns:a14="http://schemas.microsoft.com/office/drawing/2010/main">
+                  <a:solidFill>
+                    <a:srgbClr val="FFFFFF"/>
+                  </a:solidFill>
+                </a14:hiddenFill>
+              </a:ext>
+            </a:extLst>
+          </p:spPr>
+        </p:pic>
+        <p:pic>
+          <p:nvPicPr>
+            <p:cNvPr id="2054" name="Picture 6" descr="Taller mecánico logo: imágenes, fotos de stock y vectores | Shutterstock">
+              <a:extLst>
+                <a:ext uri="{FF2B5EF4-FFF2-40B4-BE49-F238E27FC236}">
+                  <a16:creationId xmlns:a16="http://schemas.microsoft.com/office/drawing/2014/main" id="{D0E64646-9986-4DD0-A927-426E0D5AD203}"/>
+                </a:ext>
+              </a:extLst>
+            </p:cNvPr>
+            <p:cNvPicPr>
+              <a:picLocks noChangeAspect="1" noChangeArrowheads="1"/>
+            </p:cNvPicPr>
+            <p:nvPr/>
+          </p:nvPicPr>
+          <p:blipFill rotWithShape="1">
+            <a:blip r:embed="rId3">
+              <a:extLst>
+                <a:ext uri="{28A0092B-C50C-407E-A947-70E740481C1C}">
+                  <a14:useLocalDpi xmlns:a14="http://schemas.microsoft.com/office/drawing/2010/main" val="0"/>
+                </a:ext>
+              </a:extLst>
+            </a:blip>
+            <a:srcRect l="24738" t="17562" r="25188" b="37727"/>
+            <a:stretch/>
+          </p:blipFill>
+          <p:spPr bwMode="auto">
+            <a:xfrm>
+              <a:off x="6209322" y="1702253"/>
+              <a:ext cx="1690078" cy="1625147"/>
+            </a:xfrm>
+            <a:prstGeom prst="rect">
+              <a:avLst/>
+            </a:prstGeom>
+            <a:noFill/>
+            <a:extLst>
+              <a:ext uri="{909E8E84-426E-40DD-AFC4-6F175D3DCCD1}">
+                <a14:hiddenFill xmlns:a14="http://schemas.microsoft.com/office/drawing/2010/main">
+                  <a:solidFill>
+                    <a:srgbClr val="FFFFFF"/>
+                  </a:solidFill>
+                </a14:hiddenFill>
+              </a:ext>
+            </a:extLst>
+          </p:spPr>
+        </p:pic>
+        <p:sp>
+          <p:nvSpPr>
+            <p:cNvPr id="8" name="TextBox 7">
+              <a:extLst>
+                <a:ext uri="{FF2B5EF4-FFF2-40B4-BE49-F238E27FC236}">
+                  <a16:creationId xmlns:a16="http://schemas.microsoft.com/office/drawing/2014/main" id="{DB0F7F2F-22A5-4F8A-AA8A-1D59E2760553}"/>
+                </a:ext>
+              </a:extLst>
+            </p:cNvPr>
+            <p:cNvSpPr txBox="1"/>
+            <p:nvPr/>
+          </p:nvSpPr>
+          <p:spPr>
+            <a:xfrm>
+              <a:off x="1917700" y="3080540"/>
+              <a:ext cx="5319085" cy="923330"/>
+            </a:xfrm>
+            <a:prstGeom prst="rect">
+              <a:avLst/>
+            </a:prstGeom>
+            <a:noFill/>
+          </p:spPr>
+          <p:txBody>
+            <a:bodyPr wrap="none" rtlCol="0">
+              <a:spAutoFit/>
+            </a:bodyPr>
+            <a:lstStyle/>
+            <a:p>
+              <a:r>
+                <a:rPr lang="en-US" sz="5400" b="1" dirty="0">
+                  <a:solidFill>
+                    <a:srgbClr val="030F47"/>
+                  </a:solidFill>
+                  <a:latin typeface="Segoe UI Black" panose="020B0A02040204020203" pitchFamily="34" charset="0"/>
+                  <a:ea typeface="Segoe UI Black" panose="020B0A02040204020203" pitchFamily="34" charset="0"/>
+                </a:rPr>
+                <a:t>AUTO REPAIRS</a:t>
+              </a:r>
+            </a:p>
+          </p:txBody>
+        </p:sp>
+        <p:cxnSp>
+          <p:nvCxnSpPr>
+            <p:cNvPr id="10" name="Straight Connector 9">
+              <a:extLst>
+                <a:ext uri="{FF2B5EF4-FFF2-40B4-BE49-F238E27FC236}">
+                  <a16:creationId xmlns:a16="http://schemas.microsoft.com/office/drawing/2014/main" id="{B6001A11-8E19-4C04-A18A-878ADEA88F59}"/>
+                </a:ext>
+              </a:extLst>
+            </p:cNvPr>
+            <p:cNvCxnSpPr/>
+            <p:nvPr/>
+          </p:nvCxnSpPr>
+          <p:spPr>
+            <a:xfrm>
+              <a:off x="1727200" y="3200400"/>
+              <a:ext cx="5327161" cy="0"/>
+            </a:xfrm>
+            <a:prstGeom prst="line">
+              <a:avLst/>
+            </a:prstGeom>
+            <a:ln w="38100">
+              <a:solidFill>
+                <a:srgbClr val="EC1E2B"/>
+              </a:solidFill>
+            </a:ln>
+          </p:spPr>
+          <p:style>
+            <a:lnRef idx="1">
+              <a:schemeClr val="accent1"/>
+            </a:lnRef>
+            <a:fillRef idx="0">
+              <a:schemeClr val="accent1"/>
+            </a:fillRef>
+            <a:effectRef idx="0">
+              <a:schemeClr val="accent1"/>
+            </a:effectRef>
+            <a:fontRef idx="minor">
+              <a:schemeClr val="tx1"/>
+            </a:fontRef>
+          </p:style>
+        </p:cxnSp>
+        <p:cxnSp>
+          <p:nvCxnSpPr>
+            <p:cNvPr id="15" name="Straight Connector 14">
+              <a:extLst>
+                <a:ext uri="{FF2B5EF4-FFF2-40B4-BE49-F238E27FC236}">
+                  <a16:creationId xmlns:a16="http://schemas.microsoft.com/office/drawing/2014/main" id="{2B8A2E53-D77B-460E-AA2A-CDA4BA930A6E}"/>
+                </a:ext>
+              </a:extLst>
+            </p:cNvPr>
+            <p:cNvCxnSpPr>
+              <a:cxnSpLocks/>
+            </p:cNvCxnSpPr>
+            <p:nvPr/>
+          </p:nvCxnSpPr>
+          <p:spPr>
+            <a:xfrm>
+              <a:off x="7305055" y="3200400"/>
+              <a:ext cx="348761" cy="12700"/>
+            </a:xfrm>
+            <a:prstGeom prst="line">
+              <a:avLst/>
+            </a:prstGeom>
+            <a:ln w="38100">
+              <a:solidFill>
+                <a:srgbClr val="EC1E2B"/>
+              </a:solidFill>
+            </a:ln>
+          </p:spPr>
+          <p:style>
+            <a:lnRef idx="1">
+              <a:schemeClr val="accent1"/>
+            </a:lnRef>
+            <a:fillRef idx="0">
+              <a:schemeClr val="accent1"/>
+            </a:fillRef>
+            <a:effectRef idx="0">
+              <a:schemeClr val="accent1"/>
+            </a:effectRef>
+            <a:fontRef idx="minor">
+              <a:schemeClr val="tx1"/>
+            </a:fontRef>
+          </p:style>
+        </p:cxnSp>
+      </p:grpSp>
+    </p:spTree>
+    <p:extLst>
+      <p:ext uri="{BB962C8B-B14F-4D97-AF65-F5344CB8AC3E}">
+        <p14:creationId xmlns:p14="http://schemas.microsoft.com/office/powerpoint/2010/main" val="739804911"/>
+      </p:ext>
+    </p:extLst>
+  </p:cSld>
+  <p:clrMapOvr>
+    <a:masterClrMapping/>
+  </p:clrMapOvr>
+</p:sld>
+</file>
+
+<file path=ppt/slides/slide7.xml><?xml version="1.0" encoding="utf-8"?>
+<p:sld xmlns:a="http://schemas.openxmlformats.org/drawingml/2006/main" xmlns:r="http://schemas.openxmlformats.org/officeDocument/2006/relationships" xmlns:p="http://schemas.openxmlformats.org/presentationml/2006/main">
+  <p:cSld>
+    <p:bg>
+      <p:bgPr>
+        <a:solidFill>
+          <a:schemeClr val="tx1">
+            <a:lumMod val="65000"/>
+            <a:lumOff val="35000"/>
+          </a:schemeClr>
+        </a:solidFill>
+        <a:effectLst/>
+      </p:bgPr>
+    </p:bg>
+    <p:spTree>
+      <p:nvGrpSpPr>
+        <p:cNvPr id="1" name=""/>
+        <p:cNvGrpSpPr/>
+        <p:nvPr/>
+      </p:nvGrpSpPr>
+      <p:grpSpPr>
+        <a:xfrm>
+          <a:off x="0" y="0"/>
+          <a:ext cx="0" cy="0"/>
+          <a:chOff x="0" y="0"/>
+          <a:chExt cx="0" cy="0"/>
+        </a:xfrm>
+      </p:grpSpPr>
+      <p:grpSp>
+        <p:nvGrpSpPr>
+          <p:cNvPr id="9" name="Group 8">
+            <a:extLst>
+              <a:ext uri="{FF2B5EF4-FFF2-40B4-BE49-F238E27FC236}">
+                <a16:creationId xmlns:a16="http://schemas.microsoft.com/office/drawing/2014/main" id="{5DE7160A-1033-4A7B-8AEE-4D692459627F}"/>
+              </a:ext>
+            </a:extLst>
+          </p:cNvPr>
+          <p:cNvGrpSpPr/>
+          <p:nvPr/>
+        </p:nvGrpSpPr>
+        <p:grpSpPr>
+          <a:xfrm>
+            <a:off x="1336674" y="2705100"/>
+            <a:ext cx="6689726" cy="3102170"/>
+            <a:chOff x="1336674" y="2705100"/>
+            <a:chExt cx="6689726" cy="3102170"/>
+          </a:xfrm>
+        </p:grpSpPr>
+        <p:pic>
+          <p:nvPicPr>
+            <p:cNvPr id="4" name="Picture 4">
+              <a:extLst>
+                <a:ext uri="{FF2B5EF4-FFF2-40B4-BE49-F238E27FC236}">
+                  <a16:creationId xmlns:a16="http://schemas.microsoft.com/office/drawing/2014/main" id="{32561629-B278-492C-B952-ACF746167851}"/>
+                </a:ext>
+              </a:extLst>
+            </p:cNvPr>
+            <p:cNvPicPr>
+              <a:picLocks noChangeAspect="1" noChangeArrowheads="1"/>
+            </p:cNvPicPr>
+            <p:nvPr/>
+          </p:nvPicPr>
+          <p:blipFill>
+            <a:blip r:embed="rId2">
+              <a:extLst>
+                <a:ext uri="{28A0092B-C50C-407E-A947-70E740481C1C}">
+                  <a14:useLocalDpi xmlns:a14="http://schemas.microsoft.com/office/drawing/2010/main" val="0"/>
+                </a:ext>
+              </a:extLst>
+            </a:blip>
+            <a:srcRect/>
+            <a:stretch>
+              <a:fillRect/>
+            </a:stretch>
+          </p:blipFill>
+          <p:spPr bwMode="auto">
+            <a:xfrm>
+              <a:off x="1336674" y="2705100"/>
+              <a:ext cx="5279048" cy="2495550"/>
+            </a:xfrm>
+            <a:prstGeom prst="rect">
+              <a:avLst/>
+            </a:prstGeom>
+            <a:noFill/>
+            <a:extLst>
+              <a:ext uri="{909E8E84-426E-40DD-AFC4-6F175D3DCCD1}">
+                <a14:hiddenFill xmlns:a14="http://schemas.microsoft.com/office/drawing/2010/main">
+                  <a:solidFill>
+                    <a:srgbClr val="FFFFFF"/>
+                  </a:solidFill>
+                </a14:hiddenFill>
+              </a:ext>
+            </a:extLst>
+          </p:spPr>
+        </p:pic>
+        <p:pic>
+          <p:nvPicPr>
+            <p:cNvPr id="5" name="Picture 6" descr="Taller mecánico logo: imágenes, fotos de stock y vectores | Shutterstock">
+              <a:extLst>
+                <a:ext uri="{FF2B5EF4-FFF2-40B4-BE49-F238E27FC236}">
+                  <a16:creationId xmlns:a16="http://schemas.microsoft.com/office/drawing/2014/main" id="{FE4C332A-5FC2-4029-B1BB-4341CE9E8E73}"/>
+                </a:ext>
+              </a:extLst>
+            </p:cNvPr>
+            <p:cNvPicPr>
+              <a:picLocks noChangeAspect="1" noChangeArrowheads="1"/>
+            </p:cNvPicPr>
+            <p:nvPr/>
+          </p:nvPicPr>
+          <p:blipFill rotWithShape="1">
+            <a:blip r:embed="rId3">
+              <a:extLst>
+                <a:ext uri="{28A0092B-C50C-407E-A947-70E740481C1C}">
+                  <a14:useLocalDpi xmlns:a14="http://schemas.microsoft.com/office/drawing/2010/main" val="0"/>
+                </a:ext>
+              </a:extLst>
+            </a:blip>
+            <a:srcRect l="24738" t="17562" r="25188" b="37727"/>
+            <a:stretch/>
+          </p:blipFill>
+          <p:spPr bwMode="auto">
+            <a:xfrm>
+              <a:off x="6336322" y="3530600"/>
+              <a:ext cx="1690078" cy="1625147"/>
+            </a:xfrm>
+            <a:prstGeom prst="rect">
+              <a:avLst/>
+            </a:prstGeom>
+            <a:noFill/>
+            <a:extLst>
+              <a:ext uri="{909E8E84-426E-40DD-AFC4-6F175D3DCCD1}">
+                <a14:hiddenFill xmlns:a14="http://schemas.microsoft.com/office/drawing/2010/main">
+                  <a:solidFill>
+                    <a:srgbClr val="FFFFFF"/>
+                  </a:solidFill>
+                </a14:hiddenFill>
+              </a:ext>
+            </a:extLst>
+          </p:spPr>
+        </p:pic>
+        <p:sp>
+          <p:nvSpPr>
+            <p:cNvPr id="6" name="TextBox 5">
+              <a:extLst>
+                <a:ext uri="{FF2B5EF4-FFF2-40B4-BE49-F238E27FC236}">
+                  <a16:creationId xmlns:a16="http://schemas.microsoft.com/office/drawing/2014/main" id="{B57943FB-7F98-4DC8-A8ED-2F24834FD5A8}"/>
+                </a:ext>
+              </a:extLst>
+            </p:cNvPr>
+            <p:cNvSpPr txBox="1"/>
+            <p:nvPr/>
+          </p:nvSpPr>
+          <p:spPr>
+            <a:xfrm>
+              <a:off x="2057400" y="4883940"/>
+              <a:ext cx="5319085" cy="923330"/>
+            </a:xfrm>
+            <a:prstGeom prst="rect">
+              <a:avLst/>
+            </a:prstGeom>
+            <a:noFill/>
+          </p:spPr>
+          <p:txBody>
+            <a:bodyPr wrap="none" rtlCol="0">
+              <a:spAutoFit/>
+            </a:bodyPr>
+            <a:lstStyle/>
+            <a:p>
+              <a:r>
+                <a:rPr lang="en-US" sz="5400" b="1" dirty="0">
+                  <a:solidFill>
+                    <a:srgbClr val="E72123"/>
+                  </a:solidFill>
+                  <a:latin typeface="Segoe UI Black" panose="020B0A02040204020203" pitchFamily="34" charset="0"/>
+                  <a:ea typeface="Segoe UI Black" panose="020B0A02040204020203" pitchFamily="34" charset="0"/>
+                </a:rPr>
+                <a:t>AUTO REPAIRS</a:t>
+              </a:r>
+            </a:p>
+          </p:txBody>
+        </p:sp>
+        <p:cxnSp>
+          <p:nvCxnSpPr>
+            <p:cNvPr id="7" name="Straight Connector 6">
+              <a:extLst>
+                <a:ext uri="{FF2B5EF4-FFF2-40B4-BE49-F238E27FC236}">
+                  <a16:creationId xmlns:a16="http://schemas.microsoft.com/office/drawing/2014/main" id="{18ED8442-88D3-48B5-9261-8462733F1CDA}"/>
+                </a:ext>
+              </a:extLst>
+            </p:cNvPr>
+            <p:cNvCxnSpPr/>
+            <p:nvPr/>
+          </p:nvCxnSpPr>
+          <p:spPr>
+            <a:xfrm>
+              <a:off x="1866900" y="5003800"/>
+              <a:ext cx="5327161" cy="0"/>
+            </a:xfrm>
+            <a:prstGeom prst="line">
+              <a:avLst/>
+            </a:prstGeom>
+            <a:ln w="38100">
+              <a:solidFill>
+                <a:schemeClr val="tx1">
+                  <a:lumMod val="65000"/>
+                  <a:lumOff val="35000"/>
+                </a:schemeClr>
+              </a:solidFill>
+            </a:ln>
+          </p:spPr>
+          <p:style>
+            <a:lnRef idx="1">
+              <a:schemeClr val="accent1"/>
+            </a:lnRef>
+            <a:fillRef idx="0">
+              <a:schemeClr val="accent1"/>
+            </a:fillRef>
+            <a:effectRef idx="0">
+              <a:schemeClr val="accent1"/>
+            </a:effectRef>
+            <a:fontRef idx="minor">
+              <a:schemeClr val="tx1"/>
+            </a:fontRef>
+          </p:style>
+        </p:cxnSp>
+        <p:cxnSp>
+          <p:nvCxnSpPr>
+            <p:cNvPr id="8" name="Straight Connector 7">
+              <a:extLst>
+                <a:ext uri="{FF2B5EF4-FFF2-40B4-BE49-F238E27FC236}">
+                  <a16:creationId xmlns:a16="http://schemas.microsoft.com/office/drawing/2014/main" id="{0C29538B-8AC6-4564-9DAE-A3BD064CF006}"/>
+                </a:ext>
+              </a:extLst>
+            </p:cNvPr>
+            <p:cNvCxnSpPr>
+              <a:cxnSpLocks/>
+            </p:cNvCxnSpPr>
+            <p:nvPr/>
+          </p:nvCxnSpPr>
+          <p:spPr>
+            <a:xfrm>
+              <a:off x="7444755" y="5003800"/>
+              <a:ext cx="348761" cy="12700"/>
+            </a:xfrm>
+            <a:prstGeom prst="line">
+              <a:avLst/>
+            </a:prstGeom>
+            <a:ln w="38100">
+              <a:solidFill>
+                <a:schemeClr val="tx1">
+                  <a:lumMod val="65000"/>
+                  <a:lumOff val="35000"/>
+                </a:schemeClr>
+              </a:solidFill>
+            </a:ln>
+          </p:spPr>
+          <p:style>
+            <a:lnRef idx="1">
+              <a:schemeClr val="accent1"/>
+            </a:lnRef>
+            <a:fillRef idx="0">
+              <a:schemeClr val="accent1"/>
+            </a:fillRef>
+            <a:effectRef idx="0">
+              <a:schemeClr val="accent1"/>
+            </a:effectRef>
+            <a:fontRef idx="minor">
+              <a:schemeClr val="tx1"/>
+            </a:fontRef>
+          </p:style>
+        </p:cxnSp>
+      </p:grpSp>
+    </p:spTree>
+    <p:extLst>
+      <p:ext uri="{BB962C8B-B14F-4D97-AF65-F5344CB8AC3E}">
+        <p14:creationId xmlns:p14="http://schemas.microsoft.com/office/powerpoint/2010/main" val="1900929008"/>
+      </p:ext>
+    </p:extLst>
+  </p:cSld>
+  <p:clrMapOvr>
+    <a:masterClrMapping/>
+  </p:clrMapOvr>
+</p:sld>
+</file>
+
 <file path=ppt/theme/theme1.xml><?xml version="1.0" encoding="utf-8"?>
 <a:theme xmlns:a="http://schemas.openxmlformats.org/drawingml/2006/main" name="Office Theme">
   <a:themeElements>

--- a/Levantamiento Taller UAPA.pptx
+++ b/Levantamiento Taller UAPA.pptx
@@ -3650,7 +3650,7 @@
           <a:graphicData uri="http://schemas.openxmlformats.org/presentationml/2006/ole">
             <mc:AlternateContent xmlns:mc="http://schemas.openxmlformats.org/markup-compatibility/2006">
               <mc:Choice xmlns:v="urn:schemas-microsoft-com:vml" Requires="v">
-                <p:oleObj spid="_x0000_s1030" name="Worksheet" showAsIcon="1" r:id="rId4" imgW="914400" imgH="771480" progId="Excel.Sheet.12">
+                <p:oleObj spid="_x0000_s1031" name="Worksheet" showAsIcon="1" r:id="rId4" imgW="914400" imgH="771480" progId="Excel.Sheet.12">
                   <p:embed/>
                 </p:oleObj>
               </mc:Choice>
@@ -6952,10 +6952,10 @@
       </p:grpSpPr>
       <p:grpSp>
         <p:nvGrpSpPr>
-          <p:cNvPr id="13" name="Group 12">
-            <a:extLst>
-              <a:ext uri="{FF2B5EF4-FFF2-40B4-BE49-F238E27FC236}">
-                <a16:creationId xmlns:a16="http://schemas.microsoft.com/office/drawing/2014/main" id="{02DE5883-9293-4F28-AF22-188B89FD8581}"/>
+          <p:cNvPr id="14" name="Group 13">
+            <a:extLst>
+              <a:ext uri="{FF2B5EF4-FFF2-40B4-BE49-F238E27FC236}">
+                <a16:creationId xmlns:a16="http://schemas.microsoft.com/office/drawing/2014/main" id="{73FD10F1-8D71-4575-A6C8-3BB639C7EF6C}"/>
               </a:ext>
             </a:extLst>
           </p:cNvPr>

--- a/Levantamiento Taller UAPA.pptx
+++ b/Levantamiento Taller UAPA.pptx
@@ -265,7 +265,7 @@
           <a:p>
             <a:fld id="{00DCE7FF-A13B-4E31-8A7E-3211D2564F78}" type="datetimeFigureOut">
               <a:rPr lang="en-US" smtClean="0"/>
-              <a:t>11-Mar-22</a:t>
+              <a:t>16-Mar-22</a:t>
             </a:fld>
             <a:endParaRPr lang="en-US"/>
           </a:p>
@@ -463,7 +463,7 @@
           <a:p>
             <a:fld id="{00DCE7FF-A13B-4E31-8A7E-3211D2564F78}" type="datetimeFigureOut">
               <a:rPr lang="en-US" smtClean="0"/>
-              <a:t>11-Mar-22</a:t>
+              <a:t>16-Mar-22</a:t>
             </a:fld>
             <a:endParaRPr lang="en-US"/>
           </a:p>
@@ -671,7 +671,7 @@
           <a:p>
             <a:fld id="{00DCE7FF-A13B-4E31-8A7E-3211D2564F78}" type="datetimeFigureOut">
               <a:rPr lang="en-US" smtClean="0"/>
-              <a:t>11-Mar-22</a:t>
+              <a:t>16-Mar-22</a:t>
             </a:fld>
             <a:endParaRPr lang="en-US"/>
           </a:p>
@@ -869,7 +869,7 @@
           <a:p>
             <a:fld id="{00DCE7FF-A13B-4E31-8A7E-3211D2564F78}" type="datetimeFigureOut">
               <a:rPr lang="en-US" smtClean="0"/>
-              <a:t>11-Mar-22</a:t>
+              <a:t>16-Mar-22</a:t>
             </a:fld>
             <a:endParaRPr lang="en-US"/>
           </a:p>
@@ -1144,7 +1144,7 @@
           <a:p>
             <a:fld id="{00DCE7FF-A13B-4E31-8A7E-3211D2564F78}" type="datetimeFigureOut">
               <a:rPr lang="en-US" smtClean="0"/>
-              <a:t>11-Mar-22</a:t>
+              <a:t>16-Mar-22</a:t>
             </a:fld>
             <a:endParaRPr lang="en-US"/>
           </a:p>
@@ -1409,7 +1409,7 @@
           <a:p>
             <a:fld id="{00DCE7FF-A13B-4E31-8A7E-3211D2564F78}" type="datetimeFigureOut">
               <a:rPr lang="en-US" smtClean="0"/>
-              <a:t>11-Mar-22</a:t>
+              <a:t>16-Mar-22</a:t>
             </a:fld>
             <a:endParaRPr lang="en-US"/>
           </a:p>
@@ -1821,7 +1821,7 @@
           <a:p>
             <a:fld id="{00DCE7FF-A13B-4E31-8A7E-3211D2564F78}" type="datetimeFigureOut">
               <a:rPr lang="en-US" smtClean="0"/>
-              <a:t>11-Mar-22</a:t>
+              <a:t>16-Mar-22</a:t>
             </a:fld>
             <a:endParaRPr lang="en-US"/>
           </a:p>
@@ -1962,7 +1962,7 @@
           <a:p>
             <a:fld id="{00DCE7FF-A13B-4E31-8A7E-3211D2564F78}" type="datetimeFigureOut">
               <a:rPr lang="en-US" smtClean="0"/>
-              <a:t>11-Mar-22</a:t>
+              <a:t>16-Mar-22</a:t>
             </a:fld>
             <a:endParaRPr lang="en-US"/>
           </a:p>
@@ -2075,7 +2075,7 @@
           <a:p>
             <a:fld id="{00DCE7FF-A13B-4E31-8A7E-3211D2564F78}" type="datetimeFigureOut">
               <a:rPr lang="en-US" smtClean="0"/>
-              <a:t>11-Mar-22</a:t>
+              <a:t>16-Mar-22</a:t>
             </a:fld>
             <a:endParaRPr lang="en-US"/>
           </a:p>
@@ -2386,7 +2386,7 @@
           <a:p>
             <a:fld id="{00DCE7FF-A13B-4E31-8A7E-3211D2564F78}" type="datetimeFigureOut">
               <a:rPr lang="en-US" smtClean="0"/>
-              <a:t>11-Mar-22</a:t>
+              <a:t>16-Mar-22</a:t>
             </a:fld>
             <a:endParaRPr lang="en-US"/>
           </a:p>
@@ -2674,7 +2674,7 @@
           <a:p>
             <a:fld id="{00DCE7FF-A13B-4E31-8A7E-3211D2564F78}" type="datetimeFigureOut">
               <a:rPr lang="en-US" smtClean="0"/>
-              <a:t>11-Mar-22</a:t>
+              <a:t>16-Mar-22</a:t>
             </a:fld>
             <a:endParaRPr lang="en-US"/>
           </a:p>
@@ -2915,7 +2915,7 @@
           <a:p>
             <a:fld id="{00DCE7FF-A13B-4E31-8A7E-3211D2564F78}" type="datetimeFigureOut">
               <a:rPr lang="en-US" smtClean="0"/>
-              <a:t>11-Mar-22</a:t>
+              <a:t>16-Mar-22</a:t>
             </a:fld>
             <a:endParaRPr lang="en-US"/>
           </a:p>
@@ -3650,7 +3650,7 @@
           <a:graphicData uri="http://schemas.openxmlformats.org/presentationml/2006/ole">
             <mc:AlternateContent xmlns:mc="http://schemas.openxmlformats.org/markup-compatibility/2006">
               <mc:Choice xmlns:v="urn:schemas-microsoft-com:vml" Requires="v">
-                <p:oleObj spid="_x0000_s1031" name="Worksheet" showAsIcon="1" r:id="rId4" imgW="914400" imgH="771480" progId="Excel.Sheet.12">
+                <p:oleObj spid="_x0000_s1032" name="Worksheet" showAsIcon="1" r:id="rId4" imgW="914400" imgH="771480" progId="Excel.Sheet.12">
                   <p:embed/>
                 </p:oleObj>
               </mc:Choice>
@@ -5378,7 +5378,7 @@
         </p:nvGrpSpPr>
         <p:grpSpPr>
           <a:xfrm>
-            <a:off x="3192528" y="1057737"/>
+            <a:off x="2508518" y="2421228"/>
             <a:ext cx="7677239" cy="5537916"/>
             <a:chOff x="3282682" y="669701"/>
             <a:chExt cx="7677239" cy="5537916"/>
@@ -6950,244 +6950,296 @@
           <a:chExt cx="0" cy="0"/>
         </a:xfrm>
       </p:grpSpPr>
-      <p:grpSp>
-        <p:nvGrpSpPr>
-          <p:cNvPr id="14" name="Group 13">
-            <a:extLst>
-              <a:ext uri="{FF2B5EF4-FFF2-40B4-BE49-F238E27FC236}">
-                <a16:creationId xmlns:a16="http://schemas.microsoft.com/office/drawing/2014/main" id="{73FD10F1-8D71-4575-A6C8-3BB639C7EF6C}"/>
-              </a:ext>
-            </a:extLst>
-          </p:cNvPr>
-          <p:cNvGrpSpPr/>
+      <p:pic>
+        <p:nvPicPr>
+          <p:cNvPr id="2050" name="Picture 2">
+            <a:extLst>
+              <a:ext uri="{FF2B5EF4-FFF2-40B4-BE49-F238E27FC236}">
+                <a16:creationId xmlns:a16="http://schemas.microsoft.com/office/drawing/2014/main" id="{B932D94A-C72E-4FC2-BBDE-F0B9A474C0C9}"/>
+              </a:ext>
+            </a:extLst>
+          </p:cNvPr>
+          <p:cNvPicPr>
+            <a:picLocks noChangeAspect="1" noChangeArrowheads="1"/>
+          </p:cNvPicPr>
           <p:nvPr/>
-        </p:nvGrpSpPr>
-        <p:grpSpPr>
+        </p:nvPicPr>
+        <p:blipFill>
+          <a:blip r:embed="rId2">
+            <a:extLst>
+              <a:ext uri="{28A0092B-C50C-407E-A947-70E740481C1C}">
+                <a14:useLocalDpi xmlns:a14="http://schemas.microsoft.com/office/drawing/2010/main" val="0"/>
+              </a:ext>
+            </a:extLst>
+          </a:blip>
+          <a:srcRect/>
+          <a:stretch>
+            <a:fillRect/>
+          </a:stretch>
+        </p:blipFill>
+        <p:spPr bwMode="auto">
           <a:xfrm>
             <a:off x="1273174" y="933450"/>
-            <a:ext cx="6626226" cy="3070420"/>
-            <a:chOff x="1273174" y="933450"/>
-            <a:chExt cx="6626226" cy="3070420"/>
+            <a:ext cx="5262355" cy="2495550"/>
           </a:xfrm>
-        </p:grpSpPr>
-        <p:pic>
-          <p:nvPicPr>
-            <p:cNvPr id="2050" name="Picture 2">
-              <a:extLst>
-                <a:ext uri="{FF2B5EF4-FFF2-40B4-BE49-F238E27FC236}">
-                  <a16:creationId xmlns:a16="http://schemas.microsoft.com/office/drawing/2014/main" id="{B932D94A-C72E-4FC2-BBDE-F0B9A474C0C9}"/>
-                </a:ext>
-              </a:extLst>
-            </p:cNvPr>
-            <p:cNvPicPr>
-              <a:picLocks noChangeAspect="1" noChangeArrowheads="1"/>
-            </p:cNvPicPr>
-            <p:nvPr/>
-          </p:nvPicPr>
-          <p:blipFill>
-            <a:blip r:embed="rId2">
-              <a:extLst>
-                <a:ext uri="{28A0092B-C50C-407E-A947-70E740481C1C}">
-                  <a14:useLocalDpi xmlns:a14="http://schemas.microsoft.com/office/drawing/2010/main" val="0"/>
-                </a:ext>
-              </a:extLst>
-            </a:blip>
-            <a:srcRect/>
-            <a:stretch>
-              <a:fillRect/>
-            </a:stretch>
-          </p:blipFill>
-          <p:spPr bwMode="auto">
-            <a:xfrm>
-              <a:off x="1273174" y="933450"/>
-              <a:ext cx="5262355" cy="2495550"/>
-            </a:xfrm>
-            <a:prstGeom prst="rect">
-              <a:avLst/>
-            </a:prstGeom>
-            <a:noFill/>
-            <a:extLst>
-              <a:ext uri="{909E8E84-426E-40DD-AFC4-6F175D3DCCD1}">
-                <a14:hiddenFill xmlns:a14="http://schemas.microsoft.com/office/drawing/2010/main">
-                  <a:solidFill>
-                    <a:srgbClr val="FFFFFF"/>
-                  </a:solidFill>
-                </a14:hiddenFill>
-              </a:ext>
-            </a:extLst>
-          </p:spPr>
-        </p:pic>
-        <p:pic>
-          <p:nvPicPr>
-            <p:cNvPr id="2054" name="Picture 6" descr="Taller mecánico logo: imágenes, fotos de stock y vectores | Shutterstock">
-              <a:extLst>
-                <a:ext uri="{FF2B5EF4-FFF2-40B4-BE49-F238E27FC236}">
-                  <a16:creationId xmlns:a16="http://schemas.microsoft.com/office/drawing/2014/main" id="{D0E64646-9986-4DD0-A927-426E0D5AD203}"/>
-                </a:ext>
-              </a:extLst>
-            </p:cNvPr>
-            <p:cNvPicPr>
-              <a:picLocks noChangeAspect="1" noChangeArrowheads="1"/>
-            </p:cNvPicPr>
-            <p:nvPr/>
-          </p:nvPicPr>
-          <p:blipFill rotWithShape="1">
-            <a:blip r:embed="rId3">
-              <a:extLst>
-                <a:ext uri="{28A0092B-C50C-407E-A947-70E740481C1C}">
-                  <a14:useLocalDpi xmlns:a14="http://schemas.microsoft.com/office/drawing/2010/main" val="0"/>
-                </a:ext>
-              </a:extLst>
-            </a:blip>
-            <a:srcRect l="24738" t="17562" r="25188" b="37727"/>
-            <a:stretch/>
-          </p:blipFill>
-          <p:spPr bwMode="auto">
-            <a:xfrm>
-              <a:off x="6209322" y="1702253"/>
-              <a:ext cx="1690078" cy="1625147"/>
-            </a:xfrm>
-            <a:prstGeom prst="rect">
-              <a:avLst/>
-            </a:prstGeom>
-            <a:noFill/>
-            <a:extLst>
-              <a:ext uri="{909E8E84-426E-40DD-AFC4-6F175D3DCCD1}">
-                <a14:hiddenFill xmlns:a14="http://schemas.microsoft.com/office/drawing/2010/main">
-                  <a:solidFill>
-                    <a:srgbClr val="FFFFFF"/>
-                  </a:solidFill>
-                </a14:hiddenFill>
-              </a:ext>
-            </a:extLst>
-          </p:spPr>
-        </p:pic>
-        <p:sp>
-          <p:nvSpPr>
-            <p:cNvPr id="8" name="TextBox 7">
-              <a:extLst>
-                <a:ext uri="{FF2B5EF4-FFF2-40B4-BE49-F238E27FC236}">
-                  <a16:creationId xmlns:a16="http://schemas.microsoft.com/office/drawing/2014/main" id="{DB0F7F2F-22A5-4F8A-AA8A-1D59E2760553}"/>
-                </a:ext>
-              </a:extLst>
-            </p:cNvPr>
-            <p:cNvSpPr txBox="1"/>
-            <p:nvPr/>
-          </p:nvSpPr>
-          <p:spPr>
-            <a:xfrm>
-              <a:off x="1917700" y="3080540"/>
-              <a:ext cx="5319085" cy="923330"/>
-            </a:xfrm>
-            <a:prstGeom prst="rect">
-              <a:avLst/>
-            </a:prstGeom>
-            <a:noFill/>
-          </p:spPr>
-          <p:txBody>
-            <a:bodyPr wrap="none" rtlCol="0">
-              <a:spAutoFit/>
-            </a:bodyPr>
-            <a:lstStyle/>
-            <a:p>
-              <a:r>
-                <a:rPr lang="en-US" sz="5400" b="1" dirty="0">
-                  <a:solidFill>
-                    <a:srgbClr val="030F47"/>
-                  </a:solidFill>
-                  <a:latin typeface="Segoe UI Black" panose="020B0A02040204020203" pitchFamily="34" charset="0"/>
-                  <a:ea typeface="Segoe UI Black" panose="020B0A02040204020203" pitchFamily="34" charset="0"/>
-                </a:rPr>
-                <a:t>AUTO REPAIRS</a:t>
-              </a:r>
-            </a:p>
-          </p:txBody>
-        </p:sp>
-        <p:cxnSp>
-          <p:nvCxnSpPr>
-            <p:cNvPr id="10" name="Straight Connector 9">
-              <a:extLst>
-                <a:ext uri="{FF2B5EF4-FFF2-40B4-BE49-F238E27FC236}">
-                  <a16:creationId xmlns:a16="http://schemas.microsoft.com/office/drawing/2014/main" id="{B6001A11-8E19-4C04-A18A-878ADEA88F59}"/>
-                </a:ext>
-              </a:extLst>
-            </p:cNvPr>
-            <p:cNvCxnSpPr/>
-            <p:nvPr/>
-          </p:nvCxnSpPr>
-          <p:spPr>
-            <a:xfrm>
-              <a:off x="1727200" y="3200400"/>
-              <a:ext cx="5327161" cy="0"/>
-            </a:xfrm>
-            <a:prstGeom prst="line">
-              <a:avLst/>
-            </a:prstGeom>
-            <a:ln w="38100">
-              <a:solidFill>
-                <a:srgbClr val="EC1E2B"/>
-              </a:solidFill>
-            </a:ln>
-          </p:spPr>
-          <p:style>
-            <a:lnRef idx="1">
-              <a:schemeClr val="accent1"/>
-            </a:lnRef>
-            <a:fillRef idx="0">
-              <a:schemeClr val="accent1"/>
-            </a:fillRef>
-            <a:effectRef idx="0">
-              <a:schemeClr val="accent1"/>
-            </a:effectRef>
-            <a:fontRef idx="minor">
-              <a:schemeClr val="tx1"/>
-            </a:fontRef>
-          </p:style>
-        </p:cxnSp>
-        <p:cxnSp>
-          <p:nvCxnSpPr>
-            <p:cNvPr id="15" name="Straight Connector 14">
-              <a:extLst>
-                <a:ext uri="{FF2B5EF4-FFF2-40B4-BE49-F238E27FC236}">
-                  <a16:creationId xmlns:a16="http://schemas.microsoft.com/office/drawing/2014/main" id="{2B8A2E53-D77B-460E-AA2A-CDA4BA930A6E}"/>
-                </a:ext>
-              </a:extLst>
-            </p:cNvPr>
-            <p:cNvCxnSpPr>
-              <a:cxnSpLocks/>
-            </p:cNvCxnSpPr>
-            <p:nvPr/>
-          </p:nvCxnSpPr>
-          <p:spPr>
-            <a:xfrm>
-              <a:off x="7305055" y="3200400"/>
-              <a:ext cx="348761" cy="12700"/>
-            </a:xfrm>
-            <a:prstGeom prst="line">
-              <a:avLst/>
-            </a:prstGeom>
-            <a:ln w="38100">
-              <a:solidFill>
-                <a:srgbClr val="EC1E2B"/>
-              </a:solidFill>
-            </a:ln>
-          </p:spPr>
-          <p:style>
-            <a:lnRef idx="1">
-              <a:schemeClr val="accent1"/>
-            </a:lnRef>
-            <a:fillRef idx="0">
-              <a:schemeClr val="accent1"/>
-            </a:fillRef>
-            <a:effectRef idx="0">
-              <a:schemeClr val="accent1"/>
-            </a:effectRef>
-            <a:fontRef idx="minor">
-              <a:schemeClr val="tx1"/>
-            </a:fontRef>
-          </p:style>
-        </p:cxnSp>
-      </p:grpSp>
+          <a:prstGeom prst="rect">
+            <a:avLst/>
+          </a:prstGeom>
+          <a:noFill/>
+          <a:extLst>
+            <a:ext uri="{909E8E84-426E-40DD-AFC4-6F175D3DCCD1}">
+              <a14:hiddenFill xmlns:a14="http://schemas.microsoft.com/office/drawing/2010/main">
+                <a:solidFill>
+                  <a:srgbClr val="FFFFFF"/>
+                </a:solidFill>
+              </a14:hiddenFill>
+            </a:ext>
+          </a:extLst>
+        </p:spPr>
+      </p:pic>
+      <p:pic>
+        <p:nvPicPr>
+          <p:cNvPr id="2054" name="Picture 6" descr="Taller mecánico logo: imágenes, fotos de stock y vectores | Shutterstock">
+            <a:extLst>
+              <a:ext uri="{FF2B5EF4-FFF2-40B4-BE49-F238E27FC236}">
+                <a16:creationId xmlns:a16="http://schemas.microsoft.com/office/drawing/2014/main" id="{D0E64646-9986-4DD0-A927-426E0D5AD203}"/>
+              </a:ext>
+            </a:extLst>
+          </p:cNvPr>
+          <p:cNvPicPr>
+            <a:picLocks noChangeAspect="1" noChangeArrowheads="1"/>
+          </p:cNvPicPr>
+          <p:nvPr/>
+        </p:nvPicPr>
+        <p:blipFill rotWithShape="1">
+          <a:blip r:embed="rId3">
+            <a:extLst>
+              <a:ext uri="{28A0092B-C50C-407E-A947-70E740481C1C}">
+                <a14:useLocalDpi xmlns:a14="http://schemas.microsoft.com/office/drawing/2010/main" val="0"/>
+              </a:ext>
+            </a:extLst>
+          </a:blip>
+          <a:srcRect l="24738" t="17562" r="25188" b="37727"/>
+          <a:stretch/>
+        </p:blipFill>
+        <p:spPr bwMode="auto">
+          <a:xfrm>
+            <a:off x="6209322" y="1702253"/>
+            <a:ext cx="1690078" cy="1625147"/>
+          </a:xfrm>
+          <a:prstGeom prst="rect">
+            <a:avLst/>
+          </a:prstGeom>
+          <a:noFill/>
+          <a:extLst>
+            <a:ext uri="{909E8E84-426E-40DD-AFC4-6F175D3DCCD1}">
+              <a14:hiddenFill xmlns:a14="http://schemas.microsoft.com/office/drawing/2010/main">
+                <a:solidFill>
+                  <a:srgbClr val="FFFFFF"/>
+                </a:solidFill>
+              </a14:hiddenFill>
+            </a:ext>
+          </a:extLst>
+        </p:spPr>
+      </p:pic>
+      <p:sp>
+        <p:nvSpPr>
+          <p:cNvPr id="8" name="TextBox 7">
+            <a:extLst>
+              <a:ext uri="{FF2B5EF4-FFF2-40B4-BE49-F238E27FC236}">
+                <a16:creationId xmlns:a16="http://schemas.microsoft.com/office/drawing/2014/main" id="{DB0F7F2F-22A5-4F8A-AA8A-1D59E2760553}"/>
+              </a:ext>
+            </a:extLst>
+          </p:cNvPr>
+          <p:cNvSpPr txBox="1"/>
+          <p:nvPr/>
+        </p:nvSpPr>
+        <p:spPr>
+          <a:xfrm>
+            <a:off x="1917700" y="3080540"/>
+            <a:ext cx="5319085" cy="923330"/>
+          </a:xfrm>
+          <a:prstGeom prst="rect">
+            <a:avLst/>
+          </a:prstGeom>
+          <a:noFill/>
+        </p:spPr>
+        <p:txBody>
+          <a:bodyPr wrap="none" rtlCol="0">
+            <a:spAutoFit/>
+          </a:bodyPr>
+          <a:lstStyle/>
+          <a:p>
+            <a:r>
+              <a:rPr lang="en-US" sz="5400" b="1" dirty="0">
+                <a:solidFill>
+                  <a:srgbClr val="030F47"/>
+                </a:solidFill>
+                <a:latin typeface="Segoe UI Black" panose="020B0A02040204020203" pitchFamily="34" charset="0"/>
+                <a:ea typeface="Segoe UI Black" panose="020B0A02040204020203" pitchFamily="34" charset="0"/>
+              </a:rPr>
+              <a:t>AUTO REPAIRS</a:t>
+            </a:r>
+          </a:p>
+        </p:txBody>
+      </p:sp>
+      <p:cxnSp>
+        <p:nvCxnSpPr>
+          <p:cNvPr id="10" name="Straight Connector 9">
+            <a:extLst>
+              <a:ext uri="{FF2B5EF4-FFF2-40B4-BE49-F238E27FC236}">
+                <a16:creationId xmlns:a16="http://schemas.microsoft.com/office/drawing/2014/main" id="{B6001A11-8E19-4C04-A18A-878ADEA88F59}"/>
+              </a:ext>
+            </a:extLst>
+          </p:cNvPr>
+          <p:cNvCxnSpPr/>
+          <p:nvPr/>
+        </p:nvCxnSpPr>
+        <p:spPr>
+          <a:xfrm>
+            <a:off x="1727200" y="3200400"/>
+            <a:ext cx="5327161" cy="0"/>
+          </a:xfrm>
+          <a:prstGeom prst="line">
+            <a:avLst/>
+          </a:prstGeom>
+          <a:ln w="38100">
+            <a:solidFill>
+              <a:srgbClr val="EC1E2B"/>
+            </a:solidFill>
+          </a:ln>
+        </p:spPr>
+        <p:style>
+          <a:lnRef idx="1">
+            <a:schemeClr val="accent1"/>
+          </a:lnRef>
+          <a:fillRef idx="0">
+            <a:schemeClr val="accent1"/>
+          </a:fillRef>
+          <a:effectRef idx="0">
+            <a:schemeClr val="accent1"/>
+          </a:effectRef>
+          <a:fontRef idx="minor">
+            <a:schemeClr val="tx1"/>
+          </a:fontRef>
+        </p:style>
+      </p:cxnSp>
+      <p:cxnSp>
+        <p:nvCxnSpPr>
+          <p:cNvPr id="15" name="Straight Connector 14">
+            <a:extLst>
+              <a:ext uri="{FF2B5EF4-FFF2-40B4-BE49-F238E27FC236}">
+                <a16:creationId xmlns:a16="http://schemas.microsoft.com/office/drawing/2014/main" id="{2B8A2E53-D77B-460E-AA2A-CDA4BA930A6E}"/>
+              </a:ext>
+            </a:extLst>
+          </p:cNvPr>
+          <p:cNvCxnSpPr>
+            <a:cxnSpLocks/>
+          </p:cNvCxnSpPr>
+          <p:nvPr/>
+        </p:nvCxnSpPr>
+        <p:spPr>
+          <a:xfrm>
+            <a:off x="7305055" y="3200400"/>
+            <a:ext cx="348761" cy="12700"/>
+          </a:xfrm>
+          <a:prstGeom prst="line">
+            <a:avLst/>
+          </a:prstGeom>
+          <a:ln w="38100">
+            <a:solidFill>
+              <a:srgbClr val="EC1E2B"/>
+            </a:solidFill>
+          </a:ln>
+        </p:spPr>
+        <p:style>
+          <a:lnRef idx="1">
+            <a:schemeClr val="accent1"/>
+          </a:lnRef>
+          <a:fillRef idx="0">
+            <a:schemeClr val="accent1"/>
+          </a:fillRef>
+          <a:effectRef idx="0">
+            <a:schemeClr val="accent1"/>
+          </a:effectRef>
+          <a:fontRef idx="minor">
+            <a:schemeClr val="tx1"/>
+          </a:fontRef>
+        </p:style>
+      </p:cxnSp>
+      <p:pic>
+        <p:nvPicPr>
+          <p:cNvPr id="9" name="Picture 6" descr="Taller mecánico logo: imágenes, fotos de stock y vectores | Shutterstock">
+            <a:extLst>
+              <a:ext uri="{FF2B5EF4-FFF2-40B4-BE49-F238E27FC236}">
+                <a16:creationId xmlns:a16="http://schemas.microsoft.com/office/drawing/2014/main" id="{940DF605-2087-442B-978E-39AAF158B690}"/>
+              </a:ext>
+            </a:extLst>
+          </p:cNvPr>
+          <p:cNvPicPr>
+            <a:picLocks noChangeAspect="1" noChangeArrowheads="1"/>
+          </p:cNvPicPr>
+          <p:nvPr/>
+        </p:nvPicPr>
+        <p:blipFill rotWithShape="1">
+          <a:blip r:embed="rId4">
+            <a:extLst>
+              <a:ext uri="{BEBA8EAE-BF5A-486C-A8C5-ECC9F3942E4B}">
+                <a14:imgProps xmlns:a14="http://schemas.microsoft.com/office/drawing/2010/main">
+                  <a14:imgLayer r:embed="rId5">
+                    <a14:imgEffect>
+                      <a14:backgroundRemoval t="19286" b="60000" l="28462" r="71923">
+                        <a14:foregroundMark x1="53846" y1="56786" x2="53846" y2="59643"/>
+                        <a14:foregroundMark x1="53077" y1="61071" x2="53077" y2="61071"/>
+                        <a14:foregroundMark x1="28846" y1="43214" x2="28846" y2="43214"/>
+                        <a14:foregroundMark x1="28846" y1="43214" x2="28462" y2="36071"/>
+                        <a14:foregroundMark x1="28462" y1="33929" x2="38462" y2="23929"/>
+                        <a14:foregroundMark x1="38462" y1="23929" x2="49615" y2="21429"/>
+                        <a14:foregroundMark x1="38077" y1="39643" x2="38462" y2="41429"/>
+                        <a14:foregroundMark x1="45000" y1="43214" x2="55769" y2="39643"/>
+                        <a14:foregroundMark x1="32692" y1="34643" x2="40769" y2="48929"/>
+                        <a14:foregroundMark x1="40769" y1="48929" x2="56154" y2="41071"/>
+                        <a14:foregroundMark x1="56154" y1="41071" x2="52692" y2="26786"/>
+                        <a14:foregroundMark x1="52692" y1="26786" x2="47308" y2="27143"/>
+                        <a14:foregroundMark x1="51154" y1="21429" x2="62692" y2="30000"/>
+                        <a14:foregroundMark x1="62692" y1="30000" x2="63846" y2="39286"/>
+                        <a14:foregroundMark x1="42308" y1="19286" x2="52308" y2="20714"/>
+                        <a14:foregroundMark x1="32308" y1="40357" x2="43846" y2="47857"/>
+                        <a14:foregroundMark x1="43846" y1="47857" x2="38077" y2="48214"/>
+                        <a14:foregroundMark x1="71923" y1="37143" x2="68846" y2="41071"/>
+                      </a14:backgroundRemoval>
+                    </a14:imgEffect>
+                  </a14:imgLayer>
+                </a14:imgProps>
+              </a:ext>
+              <a:ext uri="{28A0092B-C50C-407E-A947-70E740481C1C}">
+                <a14:useLocalDpi xmlns:a14="http://schemas.microsoft.com/office/drawing/2010/main" val="0"/>
+              </a:ext>
+            </a:extLst>
+          </a:blip>
+          <a:srcRect l="24738" t="17562" r="25188" b="37727"/>
+          <a:stretch/>
+        </p:blipFill>
+        <p:spPr bwMode="auto">
+          <a:xfrm>
+            <a:off x="8319347" y="1687915"/>
+            <a:ext cx="1690078" cy="1625147"/>
+          </a:xfrm>
+          <a:prstGeom prst="rect">
+            <a:avLst/>
+          </a:prstGeom>
+          <a:noFill/>
+          <a:extLst>
+            <a:ext uri="{909E8E84-426E-40DD-AFC4-6F175D3DCCD1}">
+              <a14:hiddenFill xmlns:a14="http://schemas.microsoft.com/office/drawing/2010/main">
+                <a:solidFill>
+                  <a:srgbClr val="FFFFFF"/>
+                </a:solidFill>
+              </a14:hiddenFill>
+            </a:ext>
+          </a:extLst>
+        </p:spPr>
+      </p:pic>
     </p:spTree>
     <p:extLst>
       <p:ext uri="{BB962C8B-B14F-4D97-AF65-F5344CB8AC3E}">

--- a/Levantamiento Taller UAPA.pptx
+++ b/Levantamiento Taller UAPA.pptx
@@ -265,7 +265,7 @@
           <a:p>
             <a:fld id="{00DCE7FF-A13B-4E31-8A7E-3211D2564F78}" type="datetimeFigureOut">
               <a:rPr lang="en-US" smtClean="0"/>
-              <a:t>16-Mar-22</a:t>
+              <a:t>21-Mar-22</a:t>
             </a:fld>
             <a:endParaRPr lang="en-US"/>
           </a:p>
@@ -463,7 +463,7 @@
           <a:p>
             <a:fld id="{00DCE7FF-A13B-4E31-8A7E-3211D2564F78}" type="datetimeFigureOut">
               <a:rPr lang="en-US" smtClean="0"/>
-              <a:t>16-Mar-22</a:t>
+              <a:t>21-Mar-22</a:t>
             </a:fld>
             <a:endParaRPr lang="en-US"/>
           </a:p>
@@ -671,7 +671,7 @@
           <a:p>
             <a:fld id="{00DCE7FF-A13B-4E31-8A7E-3211D2564F78}" type="datetimeFigureOut">
               <a:rPr lang="en-US" smtClean="0"/>
-              <a:t>16-Mar-22</a:t>
+              <a:t>21-Mar-22</a:t>
             </a:fld>
             <a:endParaRPr lang="en-US"/>
           </a:p>
@@ -869,7 +869,7 @@
           <a:p>
             <a:fld id="{00DCE7FF-A13B-4E31-8A7E-3211D2564F78}" type="datetimeFigureOut">
               <a:rPr lang="en-US" smtClean="0"/>
-              <a:t>16-Mar-22</a:t>
+              <a:t>21-Mar-22</a:t>
             </a:fld>
             <a:endParaRPr lang="en-US"/>
           </a:p>
@@ -1144,7 +1144,7 @@
           <a:p>
             <a:fld id="{00DCE7FF-A13B-4E31-8A7E-3211D2564F78}" type="datetimeFigureOut">
               <a:rPr lang="en-US" smtClean="0"/>
-              <a:t>16-Mar-22</a:t>
+              <a:t>21-Mar-22</a:t>
             </a:fld>
             <a:endParaRPr lang="en-US"/>
           </a:p>
@@ -1409,7 +1409,7 @@
           <a:p>
             <a:fld id="{00DCE7FF-A13B-4E31-8A7E-3211D2564F78}" type="datetimeFigureOut">
               <a:rPr lang="en-US" smtClean="0"/>
-              <a:t>16-Mar-22</a:t>
+              <a:t>21-Mar-22</a:t>
             </a:fld>
             <a:endParaRPr lang="en-US"/>
           </a:p>
@@ -1821,7 +1821,7 @@
           <a:p>
             <a:fld id="{00DCE7FF-A13B-4E31-8A7E-3211D2564F78}" type="datetimeFigureOut">
               <a:rPr lang="en-US" smtClean="0"/>
-              <a:t>16-Mar-22</a:t>
+              <a:t>21-Mar-22</a:t>
             </a:fld>
             <a:endParaRPr lang="en-US"/>
           </a:p>
@@ -1962,7 +1962,7 @@
           <a:p>
             <a:fld id="{00DCE7FF-A13B-4E31-8A7E-3211D2564F78}" type="datetimeFigureOut">
               <a:rPr lang="en-US" smtClean="0"/>
-              <a:t>16-Mar-22</a:t>
+              <a:t>21-Mar-22</a:t>
             </a:fld>
             <a:endParaRPr lang="en-US"/>
           </a:p>
@@ -2075,7 +2075,7 @@
           <a:p>
             <a:fld id="{00DCE7FF-A13B-4E31-8A7E-3211D2564F78}" type="datetimeFigureOut">
               <a:rPr lang="en-US" smtClean="0"/>
-              <a:t>16-Mar-22</a:t>
+              <a:t>21-Mar-22</a:t>
             </a:fld>
             <a:endParaRPr lang="en-US"/>
           </a:p>
@@ -2386,7 +2386,7 @@
           <a:p>
             <a:fld id="{00DCE7FF-A13B-4E31-8A7E-3211D2564F78}" type="datetimeFigureOut">
               <a:rPr lang="en-US" smtClean="0"/>
-              <a:t>16-Mar-22</a:t>
+              <a:t>21-Mar-22</a:t>
             </a:fld>
             <a:endParaRPr lang="en-US"/>
           </a:p>
@@ -2674,7 +2674,7 @@
           <a:p>
             <a:fld id="{00DCE7FF-A13B-4E31-8A7E-3211D2564F78}" type="datetimeFigureOut">
               <a:rPr lang="en-US" smtClean="0"/>
-              <a:t>16-Mar-22</a:t>
+              <a:t>21-Mar-22</a:t>
             </a:fld>
             <a:endParaRPr lang="en-US"/>
           </a:p>
@@ -2915,7 +2915,7 @@
           <a:p>
             <a:fld id="{00DCE7FF-A13B-4E31-8A7E-3211D2564F78}" type="datetimeFigureOut">
               <a:rPr lang="en-US" smtClean="0"/>
-              <a:t>16-Mar-22</a:t>
+              <a:t>21-Mar-22</a:t>
             </a:fld>
             <a:endParaRPr lang="en-US"/>
           </a:p>
@@ -3650,7 +3650,7 @@
           <a:graphicData uri="http://schemas.openxmlformats.org/presentationml/2006/ole">
             <mc:AlternateContent xmlns:mc="http://schemas.openxmlformats.org/markup-compatibility/2006">
               <mc:Choice xmlns:v="urn:schemas-microsoft-com:vml" Requires="v">
-                <p:oleObj spid="_x0000_s1032" name="Worksheet" showAsIcon="1" r:id="rId4" imgW="914400" imgH="771480" progId="Excel.Sheet.12">
+                <p:oleObj spid="_x0000_s1033" name="Worksheet" showAsIcon="1" r:id="rId4" imgW="914400" imgH="771480" progId="Excel.Sheet.12">
                   <p:embed/>
                 </p:oleObj>
               </mc:Choice>
@@ -6555,7 +6555,7 @@
         </p:nvGrpSpPr>
         <p:grpSpPr>
           <a:xfrm>
-            <a:off x="2508518" y="845188"/>
+            <a:off x="2593662" y="2662158"/>
             <a:ext cx="7677239" cy="5537916"/>
             <a:chOff x="4003897" y="925132"/>
             <a:chExt cx="7677239" cy="5537916"/>
